--- a/ER Diagram - Project - COMP3005.pptx
+++ b/ER Diagram - Project - COMP3005.pptx
@@ -3547,7 +3547,7 @@
           <p:nvPr>
             <p:extLst>
               <p:ext uri="{D42A27DB-BD31-4B8C-83A1-F6EECF244321}">
-                <p14:modId xmlns:p14="http://schemas.microsoft.com/office/powerpoint/2010/main" val="4035353473"/>
+                <p14:modId xmlns:p14="http://schemas.microsoft.com/office/powerpoint/2010/main" val="1301263790"/>
               </p:ext>
             </p:extLst>
           </p:nvPr>
@@ -3717,11 +3717,14 @@
                     <a:p>
                       <a:pPr algn="l"/>
                       <a:r>
-                        <a:rPr lang="en-US" sz="1200" dirty="0">
+                        <a:rPr lang="en-US" sz="1200" dirty="0" err="1">
                           <a:latin typeface="Times" pitchFamily="2" charset="0"/>
                         </a:rPr>
-                        <a:t>basket</a:t>
+                        <a:t>basket_id</a:t>
                       </a:r>
+                      <a:endParaRPr lang="en-US" sz="1200" dirty="0">
+                        <a:latin typeface="Times" pitchFamily="2" charset="0"/>
+                      </a:endParaRPr>
                     </a:p>
                   </a:txBody>
                   <a:tcPr>
@@ -4297,14 +4300,14 @@
           <p:nvPr>
             <p:extLst>
               <p:ext uri="{D42A27DB-BD31-4B8C-83A1-F6EECF244321}">
-                <p14:modId xmlns:p14="http://schemas.microsoft.com/office/powerpoint/2010/main" val="3877102014"/>
+                <p14:modId xmlns:p14="http://schemas.microsoft.com/office/powerpoint/2010/main" val="869296058"/>
               </p:ext>
             </p:extLst>
           </p:nvPr>
         </p:nvGraphicFramePr>
         <p:xfrm>
           <a:off x="1747278" y="2320492"/>
-          <a:ext cx="1078230" cy="1163257"/>
+          <a:ext cx="1078230" cy="1463040"/>
         </p:xfrm>
         <a:graphic>
           <a:graphicData uri="http://schemas.openxmlformats.org/drawingml/2006/table">
@@ -4428,6 +4431,42 @@
                         <a:latin typeface="Times" pitchFamily="2" charset="0"/>
                       </a:endParaRPr>
                     </a:p>
+                    <a:p>
+                      <a:pPr algn="l"/>
+                      <a:r>
+                        <a:rPr lang="en-US" sz="1200" u="none" dirty="0" err="1">
+                          <a:latin typeface="Times" pitchFamily="2" charset="0"/>
+                        </a:rPr>
+                        <a:t>total_price</a:t>
+                      </a:r>
+                      <a:endParaRPr lang="en-US" sz="1200" u="none" dirty="0">
+                        <a:latin typeface="Times" pitchFamily="2" charset="0"/>
+                      </a:endParaRPr>
+                    </a:p>
+                    <a:p>
+                      <a:pPr algn="l"/>
+                      <a:r>
+                        <a:rPr lang="en-US" sz="1200" u="none" dirty="0" err="1">
+                          <a:latin typeface="Times" pitchFamily="2" charset="0"/>
+                        </a:rPr>
+                        <a:t>shipping_add</a:t>
+                      </a:r>
+                      <a:endParaRPr lang="en-US" sz="1200" u="none" dirty="0">
+                        <a:latin typeface="Times" pitchFamily="2" charset="0"/>
+                      </a:endParaRPr>
+                    </a:p>
+                    <a:p>
+                      <a:pPr algn="l"/>
+                      <a:r>
+                        <a:rPr lang="en-US" sz="1200" u="none" dirty="0" err="1">
+                          <a:latin typeface="Times" pitchFamily="2" charset="0"/>
+                        </a:rPr>
+                        <a:t>billing_add</a:t>
+                      </a:r>
+                      <a:endParaRPr lang="en-US" sz="1200" u="none" dirty="0">
+                        <a:latin typeface="Times" pitchFamily="2" charset="0"/>
+                      </a:endParaRPr>
+                    </a:p>
                   </a:txBody>
                   <a:tcPr>
                     <a:lnL w="9525" cap="flat" cmpd="sng" algn="ctr">
@@ -4617,6 +4656,204 @@
                     <a:p>
                       <a:pPr algn="l"/>
                       <a:endParaRPr lang="en-US" sz="1200" dirty="0">
+                        <a:latin typeface="Times" pitchFamily="2" charset="0"/>
+                      </a:endParaRPr>
+                    </a:p>
+                  </a:txBody>
+                  <a:tcPr>
+                    <a:lnL w="9525" cap="flat" cmpd="sng" algn="ctr">
+                      <a:solidFill>
+                        <a:schemeClr val="tx1"/>
+                      </a:solidFill>
+                      <a:prstDash val="solid"/>
+                      <a:round/>
+                      <a:headEnd type="none" w="med" len="med"/>
+                      <a:tailEnd type="none" w="med" len="med"/>
+                    </a:lnL>
+                    <a:lnR w="9525" cap="flat" cmpd="sng" algn="ctr">
+                      <a:solidFill>
+                        <a:schemeClr val="tx1"/>
+                      </a:solidFill>
+                      <a:prstDash val="solid"/>
+                      <a:round/>
+                      <a:headEnd type="none" w="med" len="med"/>
+                      <a:tailEnd type="none" w="med" len="med"/>
+                    </a:lnR>
+                    <a:lnT w="9525" cap="flat" cmpd="sng" algn="ctr">
+                      <a:solidFill>
+                        <a:schemeClr val="tx1"/>
+                      </a:solidFill>
+                      <a:prstDash val="solid"/>
+                      <a:round/>
+                      <a:headEnd type="none" w="med" len="med"/>
+                      <a:tailEnd type="none" w="med" len="med"/>
+                    </a:lnT>
+                    <a:lnB w="9525" cap="flat" cmpd="sng" algn="ctr">
+                      <a:solidFill>
+                        <a:schemeClr val="tx1"/>
+                      </a:solidFill>
+                      <a:prstDash val="solid"/>
+                      <a:round/>
+                      <a:headEnd type="none" w="med" len="med"/>
+                      <a:tailEnd type="none" w="med" len="med"/>
+                    </a:lnB>
+                    <a:solidFill>
+                      <a:schemeClr val="bg1">
+                        <a:alpha val="20000"/>
+                      </a:schemeClr>
+                    </a:solidFill>
+                  </a:tcPr>
+                </a:tc>
+                <a:extLst>
+                  <a:ext uri="{0D108BD9-81ED-4DB2-BD59-A6C34878D82A}">
+                    <a16:rowId xmlns:a16="http://schemas.microsoft.com/office/drawing/2014/main" val="2009406627"/>
+                  </a:ext>
+                </a:extLst>
+              </a:tr>
+            </a:tbl>
+          </a:graphicData>
+        </a:graphic>
+      </p:graphicFrame>
+      <p:graphicFrame>
+        <p:nvGraphicFramePr>
+          <p:cNvPr id="13" name="Table 12">
+            <a:extLst>
+              <a:ext uri="{FF2B5EF4-FFF2-40B4-BE49-F238E27FC236}">
+                <a16:creationId xmlns:a16="http://schemas.microsoft.com/office/drawing/2014/main" id="{B17BB100-94EA-4A4D-B9DF-843DD3ABDCEC}"/>
+              </a:ext>
+            </a:extLst>
+          </p:cNvPr>
+          <p:cNvGraphicFramePr>
+            <a:graphicFrameLocks noGrp="1"/>
+          </p:cNvGraphicFramePr>
+          <p:nvPr>
+            <p:extLst>
+              <p:ext uri="{D42A27DB-BD31-4B8C-83A1-F6EECF244321}">
+                <p14:modId xmlns:p14="http://schemas.microsoft.com/office/powerpoint/2010/main" val="1027437457"/>
+              </p:ext>
+            </p:extLst>
+          </p:nvPr>
+        </p:nvGraphicFramePr>
+        <p:xfrm>
+          <a:off x="3391933" y="2503372"/>
+          <a:ext cx="1078230" cy="1163257"/>
+        </p:xfrm>
+        <a:graphic>
+          <a:graphicData uri="http://schemas.openxmlformats.org/drawingml/2006/table">
+            <a:tbl>
+              <a:tblPr firstRow="1" bandRow="1">
+                <a:tableStyleId>{5FD0F851-EC5A-4D38-B0AD-8093EC10F338}</a:tableStyleId>
+              </a:tblPr>
+              <a:tblGrid>
+                <a:gridCol w="1078230">
+                  <a:extLst>
+                    <a:ext uri="{9D8B030D-6E8A-4147-A177-3AD203B41FA5}">
+                      <a16:colId xmlns:a16="http://schemas.microsoft.com/office/drawing/2014/main" val="1069656790"/>
+                    </a:ext>
+                  </a:extLst>
+                </a:gridCol>
+              </a:tblGrid>
+              <a:tr h="0">
+                <a:tc>
+                  <a:txBody>
+                    <a:bodyPr/>
+                    <a:lstStyle/>
+                    <a:p>
+                      <a:pPr algn="ctr"/>
+                      <a:r>
+                        <a:rPr lang="en-US" sz="1200" b="0" dirty="0">
+                          <a:latin typeface="Times" pitchFamily="2" charset="0"/>
+                        </a:rPr>
+                        <a:t>basket</a:t>
+                      </a:r>
+                    </a:p>
+                  </a:txBody>
+                  <a:tcPr anchor="ctr">
+                    <a:lnL w="9525" cap="flat" cmpd="sng" algn="ctr">
+                      <a:solidFill>
+                        <a:schemeClr val="tx1"/>
+                      </a:solidFill>
+                      <a:prstDash val="solid"/>
+                      <a:round/>
+                      <a:headEnd type="none" w="med" len="med"/>
+                      <a:tailEnd type="none" w="med" len="med"/>
+                    </a:lnL>
+                    <a:lnR w="9525" cap="flat" cmpd="sng" algn="ctr">
+                      <a:solidFill>
+                        <a:schemeClr val="tx1"/>
+                      </a:solidFill>
+                      <a:prstDash val="solid"/>
+                      <a:round/>
+                      <a:headEnd type="none" w="med" len="med"/>
+                      <a:tailEnd type="none" w="med" len="med"/>
+                    </a:lnR>
+                    <a:lnT w="9525" cap="flat" cmpd="sng" algn="ctr">
+                      <a:solidFill>
+                        <a:schemeClr val="tx1"/>
+                      </a:solidFill>
+                      <a:prstDash val="solid"/>
+                      <a:round/>
+                      <a:headEnd type="none" w="med" len="med"/>
+                      <a:tailEnd type="none" w="med" len="med"/>
+                    </a:lnT>
+                    <a:lnB w="9525" cap="flat" cmpd="sng" algn="ctr">
+                      <a:solidFill>
+                        <a:schemeClr val="tx1"/>
+                      </a:solidFill>
+                      <a:prstDash val="solid"/>
+                      <a:round/>
+                      <a:headEnd type="none" w="med" len="med"/>
+                      <a:tailEnd type="none" w="med" len="med"/>
+                    </a:lnB>
+                    <a:solidFill>
+                      <a:schemeClr val="accent5">
+                        <a:lumMod val="40000"/>
+                        <a:lumOff val="60000"/>
+                      </a:schemeClr>
+                    </a:solidFill>
+                  </a:tcPr>
+                </a:tc>
+                <a:extLst>
+                  <a:ext uri="{0D108BD9-81ED-4DB2-BD59-A6C34878D82A}">
+                    <a16:rowId xmlns:a16="http://schemas.microsoft.com/office/drawing/2014/main" val="3513791863"/>
+                  </a:ext>
+                </a:extLst>
+              </a:tr>
+              <a:tr h="888937">
+                <a:tc>
+                  <a:txBody>
+                    <a:bodyPr/>
+                    <a:lstStyle/>
+                    <a:p>
+                      <a:pPr algn="l"/>
+                      <a:r>
+                        <a:rPr lang="en-US" sz="1200" u="none" dirty="0" err="1">
+                          <a:latin typeface="Times" pitchFamily="2" charset="0"/>
+                        </a:rPr>
+                        <a:t>basket_id</a:t>
+                      </a:r>
+                      <a:endParaRPr lang="en-US" sz="1200" u="none" dirty="0">
+                        <a:latin typeface="Times" pitchFamily="2" charset="0"/>
+                      </a:endParaRPr>
+                    </a:p>
+                    <a:p>
+                      <a:pPr algn="l"/>
+                      <a:r>
+                        <a:rPr lang="en-US" sz="1200" u="none" dirty="0">
+                          <a:latin typeface="Times" pitchFamily="2" charset="0"/>
+                        </a:rPr>
+                        <a:t>books</a:t>
+                      </a:r>
+                    </a:p>
+                    <a:p>
+                      <a:pPr algn="l"/>
+                      <a:r>
+                        <a:rPr lang="en-US" sz="1200" u="none" dirty="0" err="1">
+                          <a:latin typeface="Times" pitchFamily="2" charset="0"/>
+                        </a:rPr>
+                        <a:t>total_price</a:t>
+                      </a:r>
+                      <a:endParaRPr lang="en-US" sz="1200" u="none" dirty="0">
                         <a:latin typeface="Times" pitchFamily="2" charset="0"/>
                       </a:endParaRPr>
                     </a:p>

--- a/ER Diagram - Project - COMP3005.pptx
+++ b/ER Diagram - Project - COMP3005.pptx
@@ -3547,14 +3547,14 @@
           <p:nvPr>
             <p:extLst>
               <p:ext uri="{D42A27DB-BD31-4B8C-83A1-F6EECF244321}">
-                <p14:modId xmlns:p14="http://schemas.microsoft.com/office/powerpoint/2010/main" val="1301263790"/>
+                <p14:modId xmlns:p14="http://schemas.microsoft.com/office/powerpoint/2010/main" val="4241277540"/>
               </p:ext>
             </p:extLst>
           </p:nvPr>
         </p:nvGraphicFramePr>
         <p:xfrm>
-          <a:off x="102623" y="149516"/>
-          <a:ext cx="1210788" cy="1828800"/>
+          <a:off x="4408787" y="36146"/>
+          <a:ext cx="1210788" cy="1163257"/>
         </p:xfrm>
         <a:graphic>
           <a:graphicData uri="http://schemas.openxmlformats.org/drawingml/2006/table">
@@ -3645,12 +3645,12 @@
                     <a:p>
                       <a:pPr algn="l"/>
                       <a:r>
-                        <a:rPr lang="en-US" sz="1200" dirty="0" err="1">
+                        <a:rPr lang="en-US" sz="1200" u="sng" dirty="0" err="1">
                           <a:latin typeface="Times" pitchFamily="2" charset="0"/>
                         </a:rPr>
                         <a:t>user_name</a:t>
                       </a:r>
-                      <a:endParaRPr lang="en-US" sz="1200" dirty="0">
+                      <a:endParaRPr lang="en-US" sz="1200" u="sng" dirty="0">
                         <a:latin typeface="Times" pitchFamily="2" charset="0"/>
                       </a:endParaRPr>
                     </a:p>
@@ -3661,15 +3661,6 @@
                           <a:latin typeface="Times" pitchFamily="2" charset="0"/>
                         </a:rPr>
                         <a:t>password</a:t>
-                      </a:r>
-                    </a:p>
-                    <a:p>
-                      <a:pPr algn="l"/>
-                      <a:r>
-                        <a:rPr lang="en-US" sz="1200" dirty="0">
-                          <a:latin typeface="Times" pitchFamily="2" charset="0"/>
-                        </a:rPr>
-                        <a:t>admin</a:t>
                       </a:r>
                     </a:p>
                     <a:p>
@@ -3689,42 +3680,6 @@
                         </a:rPr>
                         <a:t>email</a:t>
                       </a:r>
-                    </a:p>
-                    <a:p>
-                      <a:pPr algn="l"/>
-                      <a:r>
-                        <a:rPr lang="en-US" sz="1200" dirty="0" err="1">
-                          <a:latin typeface="Times" pitchFamily="2" charset="0"/>
-                        </a:rPr>
-                        <a:t>shipping_add</a:t>
-                      </a:r>
-                      <a:endParaRPr lang="en-US" sz="1200" dirty="0">
-                        <a:latin typeface="Times" pitchFamily="2" charset="0"/>
-                      </a:endParaRPr>
-                    </a:p>
-                    <a:p>
-                      <a:pPr algn="l"/>
-                      <a:r>
-                        <a:rPr lang="en-US" sz="1200" dirty="0" err="1">
-                          <a:latin typeface="Times" pitchFamily="2" charset="0"/>
-                        </a:rPr>
-                        <a:t>billing_add</a:t>
-                      </a:r>
-                      <a:endParaRPr lang="en-US" sz="1200" dirty="0">
-                        <a:latin typeface="Times" pitchFamily="2" charset="0"/>
-                      </a:endParaRPr>
-                    </a:p>
-                    <a:p>
-                      <a:pPr algn="l"/>
-                      <a:r>
-                        <a:rPr lang="en-US" sz="1200" dirty="0" err="1">
-                          <a:latin typeface="Times" pitchFamily="2" charset="0"/>
-                        </a:rPr>
-                        <a:t>basket_id</a:t>
-                      </a:r>
-                      <a:endParaRPr lang="en-US" sz="1200" dirty="0">
-                        <a:latin typeface="Times" pitchFamily="2" charset="0"/>
-                      </a:endParaRPr>
                     </a:p>
                   </a:txBody>
                   <a:tcPr>
@@ -3796,14 +3751,14 @@
           <p:nvPr>
             <p:extLst>
               <p:ext uri="{D42A27DB-BD31-4B8C-83A1-F6EECF244321}">
-                <p14:modId xmlns:p14="http://schemas.microsoft.com/office/powerpoint/2010/main" val="3737956703"/>
+                <p14:modId xmlns:p14="http://schemas.microsoft.com/office/powerpoint/2010/main" val="2061051271"/>
               </p:ext>
             </p:extLst>
           </p:nvPr>
         </p:nvGraphicFramePr>
         <p:xfrm>
-          <a:off x="3391933" y="149513"/>
-          <a:ext cx="1078230" cy="2194560"/>
+          <a:off x="7314779" y="2664668"/>
+          <a:ext cx="1078230" cy="1828800"/>
         </p:xfrm>
         <a:graphic>
           <a:graphicData uri="http://schemas.openxmlformats.org/drawingml/2006/table">
@@ -3894,12 +3849,12 @@
                     <a:p>
                       <a:pPr algn="l"/>
                       <a:r>
-                        <a:rPr lang="en-US" sz="1200" dirty="0" err="1">
+                        <a:rPr lang="en-US" sz="1200" u="sng" dirty="0" err="1">
                           <a:latin typeface="Times" pitchFamily="2" charset="0"/>
                         </a:rPr>
-                        <a:t>book_id</a:t>
+                        <a:t>isbn</a:t>
                       </a:r>
-                      <a:endParaRPr lang="en-US" sz="1200" dirty="0">
+                      <a:endParaRPr lang="en-US" sz="1200" u="sng" dirty="0">
                         <a:latin typeface="Times" pitchFamily="2" charset="0"/>
                       </a:endParaRPr>
                     </a:p>
@@ -3911,30 +3866,6 @@
                         </a:rPr>
                         <a:t>name</a:t>
                       </a:r>
-                    </a:p>
-                    <a:p>
-                      <a:pPr algn="l"/>
-                      <a:r>
-                        <a:rPr lang="en-US" sz="1200" dirty="0" err="1">
-                          <a:latin typeface="Times" pitchFamily="2" charset="0"/>
-                        </a:rPr>
-                        <a:t>author_name</a:t>
-                      </a:r>
-                      <a:endParaRPr lang="en-US" sz="1200" dirty="0">
-                        <a:latin typeface="Times" pitchFamily="2" charset="0"/>
-                      </a:endParaRPr>
-                    </a:p>
-                    <a:p>
-                      <a:pPr algn="l"/>
-                      <a:r>
-                        <a:rPr lang="en-US" sz="1200" dirty="0" err="1">
-                          <a:latin typeface="Times" pitchFamily="2" charset="0"/>
-                        </a:rPr>
-                        <a:t>isbn</a:t>
-                      </a:r>
-                      <a:endParaRPr lang="en-US" sz="1200" dirty="0">
-                        <a:latin typeface="Times" pitchFamily="2" charset="0"/>
-                      </a:endParaRPr>
                     </a:p>
                     <a:p>
                       <a:pPr algn="l"/>
@@ -3990,7 +3921,7 @@
                         <a:rPr lang="en-US" sz="1200" dirty="0">
                           <a:latin typeface="Times" pitchFamily="2" charset="0"/>
                         </a:rPr>
-                        <a:t>quantity</a:t>
+                        <a:t>stock</a:t>
                       </a:r>
                     </a:p>
                   </a:txBody>
@@ -4063,13 +3994,13 @@
           <p:nvPr>
             <p:extLst>
               <p:ext uri="{D42A27DB-BD31-4B8C-83A1-F6EECF244321}">
-                <p14:modId xmlns:p14="http://schemas.microsoft.com/office/powerpoint/2010/main" val="2058424661"/>
+                <p14:modId xmlns:p14="http://schemas.microsoft.com/office/powerpoint/2010/main" val="1262843760"/>
               </p:ext>
             </p:extLst>
           </p:nvPr>
         </p:nvGraphicFramePr>
         <p:xfrm>
-          <a:off x="102623" y="2320492"/>
+          <a:off x="10867260" y="4415404"/>
           <a:ext cx="1078230" cy="1645920"/>
         </p:xfrm>
         <a:graphic>
@@ -4161,12 +4092,12 @@
                     <a:p>
                       <a:pPr algn="l"/>
                       <a:r>
-                        <a:rPr lang="en-US" sz="1200" dirty="0" err="1">
+                        <a:rPr lang="en-US" sz="1200" u="sng" dirty="0" err="1">
                           <a:latin typeface="Times" pitchFamily="2" charset="0"/>
                         </a:rPr>
                         <a:t>pub_id</a:t>
                       </a:r>
-                      <a:endParaRPr lang="en-US" sz="1200" dirty="0">
+                      <a:endParaRPr lang="en-US" sz="1200" u="sng" dirty="0">
                         <a:latin typeface="Times" pitchFamily="2" charset="0"/>
                       </a:endParaRPr>
                     </a:p>
@@ -4300,13 +4231,13 @@
           <p:nvPr>
             <p:extLst>
               <p:ext uri="{D42A27DB-BD31-4B8C-83A1-F6EECF244321}">
-                <p14:modId xmlns:p14="http://schemas.microsoft.com/office/powerpoint/2010/main" val="869296058"/>
+                <p14:modId xmlns:p14="http://schemas.microsoft.com/office/powerpoint/2010/main" val="365045607"/>
               </p:ext>
             </p:extLst>
           </p:nvPr>
         </p:nvGraphicFramePr>
         <p:xfrm>
-          <a:off x="1747278" y="2320492"/>
+          <a:off x="1516088" y="5316063"/>
           <a:ext cx="1078230" cy="1463040"/>
         </p:xfrm>
         <a:graphic>
@@ -4398,12 +4329,12 @@
                     <a:p>
                       <a:pPr algn="l"/>
                       <a:r>
-                        <a:rPr lang="en-US" sz="1200" u="none" dirty="0" err="1">
+                        <a:rPr lang="en-US" sz="1200" u="sng" dirty="0" err="1">
                           <a:latin typeface="Times" pitchFamily="2" charset="0"/>
                         </a:rPr>
                         <a:t>order_num</a:t>
                       </a:r>
-                      <a:endParaRPr lang="en-US" sz="1200" u="none" dirty="0">
+                      <a:endParaRPr lang="en-US" sz="1200" u="sng" dirty="0">
                         <a:latin typeface="Times" pitchFamily="2" charset="0"/>
                       </a:endParaRPr>
                     </a:p>
@@ -4439,9 +4370,12 @@
                         </a:rPr>
                         <a:t>total_price</a:t>
                       </a:r>
-                      <a:endParaRPr lang="en-US" sz="1200" u="none" dirty="0">
-                        <a:latin typeface="Times" pitchFamily="2" charset="0"/>
-                      </a:endParaRPr>
+                      <a:r>
+                        <a:rPr lang="en-US" sz="1200" u="none" dirty="0">
+                          <a:latin typeface="Times" pitchFamily="2" charset="0"/>
+                        </a:rPr>
+                        <a:t>()</a:t>
+                      </a:r>
                     </a:p>
                     <a:p>
                       <a:pPr algn="l"/>
@@ -4537,13 +4471,13 @@
           <p:nvPr>
             <p:extLst>
               <p:ext uri="{D42A27DB-BD31-4B8C-83A1-F6EECF244321}">
-                <p14:modId xmlns:p14="http://schemas.microsoft.com/office/powerpoint/2010/main" val="1795766824"/>
+                <p14:modId xmlns:p14="http://schemas.microsoft.com/office/powerpoint/2010/main" val="1577371271"/>
               </p:ext>
             </p:extLst>
           </p:nvPr>
         </p:nvGraphicFramePr>
         <p:xfrm>
-          <a:off x="1747278" y="149513"/>
+          <a:off x="10867260" y="2997440"/>
           <a:ext cx="1078230" cy="1163257"/>
         </p:xfrm>
         <a:graphic>
@@ -4635,12 +4569,12 @@
                     <a:p>
                       <a:pPr algn="l"/>
                       <a:r>
-                        <a:rPr lang="en-US" sz="1200" dirty="0" err="1">
+                        <a:rPr lang="en-US" sz="1200" u="sng" dirty="0" err="1">
                           <a:latin typeface="Times" pitchFamily="2" charset="0"/>
                         </a:rPr>
                         <a:t>auth_id</a:t>
                       </a:r>
-                      <a:endParaRPr lang="en-US" sz="1200" dirty="0">
+                      <a:endParaRPr lang="en-US" sz="1200" u="sng" dirty="0">
                         <a:latin typeface="Times" pitchFamily="2" charset="0"/>
                       </a:endParaRPr>
                     </a:p>
@@ -4729,13 +4663,13 @@
           <p:nvPr>
             <p:extLst>
               <p:ext uri="{D42A27DB-BD31-4B8C-83A1-F6EECF244321}">
-                <p14:modId xmlns:p14="http://schemas.microsoft.com/office/powerpoint/2010/main" val="1027437457"/>
+                <p14:modId xmlns:p14="http://schemas.microsoft.com/office/powerpoint/2010/main" val="3738623263"/>
               </p:ext>
             </p:extLst>
           </p:nvPr>
         </p:nvGraphicFramePr>
         <p:xfrm>
-          <a:off x="3391933" y="2503372"/>
+          <a:off x="1516089" y="2997440"/>
           <a:ext cx="1078230" cy="1163257"/>
         </p:xfrm>
         <a:graphic>
@@ -4827,31 +4761,10 @@
                     <a:p>
                       <a:pPr algn="l"/>
                       <a:r>
-                        <a:rPr lang="en-US" sz="1200" u="none" dirty="0" err="1">
+                        <a:rPr lang="en-US" sz="1200" u="sng" dirty="0" err="1">
                           <a:latin typeface="Times" pitchFamily="2" charset="0"/>
                         </a:rPr>
                         <a:t>basket_id</a:t>
-                      </a:r>
-                      <a:endParaRPr lang="en-US" sz="1200" u="none" dirty="0">
-                        <a:latin typeface="Times" pitchFamily="2" charset="0"/>
-                      </a:endParaRPr>
-                    </a:p>
-                    <a:p>
-                      <a:pPr algn="l"/>
-                      <a:r>
-                        <a:rPr lang="en-US" sz="1200" u="none" dirty="0">
-                          <a:latin typeface="Times" pitchFamily="2" charset="0"/>
-                        </a:rPr>
-                        <a:t>books</a:t>
-                      </a:r>
-                    </a:p>
-                    <a:p>
-                      <a:pPr algn="l"/>
-                      <a:r>
-                        <a:rPr lang="en-US" sz="1200" u="none" dirty="0" err="1">
-                          <a:latin typeface="Times" pitchFamily="2" charset="0"/>
-                        </a:rPr>
-                        <a:t>total_price</a:t>
                       </a:r>
                       <a:endParaRPr lang="en-US" sz="1200" u="none" dirty="0">
                         <a:latin typeface="Times" pitchFamily="2" charset="0"/>
@@ -4912,6 +4825,1694 @@
           </a:graphicData>
         </a:graphic>
       </p:graphicFrame>
+      <p:cxnSp>
+        <p:nvCxnSpPr>
+          <p:cNvPr id="10" name="Straight Connector 9">
+            <a:extLst>
+              <a:ext uri="{FF2B5EF4-FFF2-40B4-BE49-F238E27FC236}">
+                <a16:creationId xmlns:a16="http://schemas.microsoft.com/office/drawing/2014/main" id="{E753ABF6-3692-BB40-8C5F-E290E777EA2A}"/>
+              </a:ext>
+            </a:extLst>
+          </p:cNvPr>
+          <p:cNvCxnSpPr>
+            <a:cxnSpLocks/>
+            <a:stCxn id="11" idx="2"/>
+            <a:endCxn id="58" idx="1"/>
+          </p:cNvCxnSpPr>
+          <p:nvPr/>
+        </p:nvCxnSpPr>
+        <p:spPr>
+          <a:xfrm rot="16200000" flipH="1">
+            <a:off x="7865530" y="4481831"/>
+            <a:ext cx="744896" cy="768169"/>
+          </a:xfrm>
+          <a:prstGeom prst="bentConnector2">
+            <a:avLst/>
+          </a:prstGeom>
+        </p:spPr>
+        <p:style>
+          <a:lnRef idx="1">
+            <a:schemeClr val="accent1"/>
+          </a:lnRef>
+          <a:fillRef idx="0">
+            <a:schemeClr val="accent1"/>
+          </a:fillRef>
+          <a:effectRef idx="0">
+            <a:schemeClr val="accent1"/>
+          </a:effectRef>
+          <a:fontRef idx="minor">
+            <a:schemeClr val="tx1"/>
+          </a:fontRef>
+        </p:style>
+      </p:cxnSp>
+      <p:sp>
+        <p:nvSpPr>
+          <p:cNvPr id="46" name="Diamond 45">
+            <a:extLst>
+              <a:ext uri="{FF2B5EF4-FFF2-40B4-BE49-F238E27FC236}">
+                <a16:creationId xmlns:a16="http://schemas.microsoft.com/office/drawing/2014/main" id="{477376A8-7104-1943-ADF9-7CA06DE02C9F}"/>
+              </a:ext>
+            </a:extLst>
+          </p:cNvPr>
+          <p:cNvSpPr/>
+          <p:nvPr/>
+        </p:nvSpPr>
+        <p:spPr>
+          <a:xfrm>
+            <a:off x="8892677" y="3186439"/>
+            <a:ext cx="1201783" cy="785258"/>
+          </a:xfrm>
+          <a:prstGeom prst="diamond">
+            <a:avLst/>
+          </a:prstGeom>
+          <a:solidFill>
+            <a:schemeClr val="accent5">
+              <a:lumMod val="40000"/>
+              <a:lumOff val="60000"/>
+            </a:schemeClr>
+          </a:solidFill>
+        </p:spPr>
+        <p:style>
+          <a:lnRef idx="2">
+            <a:schemeClr val="accent1">
+              <a:shade val="50000"/>
+            </a:schemeClr>
+          </a:lnRef>
+          <a:fillRef idx="1">
+            <a:schemeClr val="accent1"/>
+          </a:fillRef>
+          <a:effectRef idx="0">
+            <a:schemeClr val="accent1"/>
+          </a:effectRef>
+          <a:fontRef idx="minor">
+            <a:schemeClr val="lt1"/>
+          </a:fontRef>
+        </p:style>
+        <p:txBody>
+          <a:bodyPr rtlCol="0" anchor="ctr"/>
+          <a:lstStyle/>
+          <a:p>
+            <a:pPr algn="ctr"/>
+            <a:r>
+              <a:rPr lang="en-US" sz="1200" i="1" dirty="0">
+                <a:solidFill>
+                  <a:sysClr val="windowText" lastClr="000000"/>
+                </a:solidFill>
+                <a:latin typeface="Times" pitchFamily="2" charset="0"/>
+              </a:rPr>
+              <a:t>Writes</a:t>
+            </a:r>
+          </a:p>
+        </p:txBody>
+      </p:sp>
+      <p:cxnSp>
+        <p:nvCxnSpPr>
+          <p:cNvPr id="48" name="Straight Connector 47">
+            <a:extLst>
+              <a:ext uri="{FF2B5EF4-FFF2-40B4-BE49-F238E27FC236}">
+                <a16:creationId xmlns:a16="http://schemas.microsoft.com/office/drawing/2014/main" id="{FB98979D-5FF2-8744-98BE-80693A4C1A5F}"/>
+              </a:ext>
+            </a:extLst>
+          </p:cNvPr>
+          <p:cNvCxnSpPr>
+            <a:stCxn id="46" idx="3"/>
+            <a:endCxn id="77" idx="1"/>
+          </p:cNvCxnSpPr>
+          <p:nvPr/>
+        </p:nvCxnSpPr>
+        <p:spPr>
+          <a:xfrm>
+            <a:off x="10094460" y="3579068"/>
+            <a:ext cx="772800" cy="0"/>
+          </a:xfrm>
+          <a:prstGeom prst="line">
+            <a:avLst/>
+          </a:prstGeom>
+        </p:spPr>
+        <p:style>
+          <a:lnRef idx="1">
+            <a:schemeClr val="accent1"/>
+          </a:lnRef>
+          <a:fillRef idx="0">
+            <a:schemeClr val="accent1"/>
+          </a:fillRef>
+          <a:effectRef idx="0">
+            <a:schemeClr val="accent1"/>
+          </a:effectRef>
+          <a:fontRef idx="minor">
+            <a:schemeClr val="tx1"/>
+          </a:fontRef>
+        </p:style>
+      </p:cxnSp>
+      <p:cxnSp>
+        <p:nvCxnSpPr>
+          <p:cNvPr id="50" name="Straight Connector 49">
+            <a:extLst>
+              <a:ext uri="{FF2B5EF4-FFF2-40B4-BE49-F238E27FC236}">
+                <a16:creationId xmlns:a16="http://schemas.microsoft.com/office/drawing/2014/main" id="{662DD66D-0660-3541-9010-AB776D77C458}"/>
+              </a:ext>
+            </a:extLst>
+          </p:cNvPr>
+          <p:cNvCxnSpPr>
+            <a:cxnSpLocks/>
+            <a:stCxn id="46" idx="1"/>
+            <a:endCxn id="11" idx="3"/>
+          </p:cNvCxnSpPr>
+          <p:nvPr/>
+        </p:nvCxnSpPr>
+        <p:spPr>
+          <a:xfrm flipH="1">
+            <a:off x="8393009" y="3579068"/>
+            <a:ext cx="499668" cy="0"/>
+          </a:xfrm>
+          <a:prstGeom prst="line">
+            <a:avLst/>
+          </a:prstGeom>
+        </p:spPr>
+        <p:style>
+          <a:lnRef idx="1">
+            <a:schemeClr val="accent1"/>
+          </a:lnRef>
+          <a:fillRef idx="0">
+            <a:schemeClr val="accent1"/>
+          </a:fillRef>
+          <a:effectRef idx="0">
+            <a:schemeClr val="accent1"/>
+          </a:effectRef>
+          <a:fontRef idx="minor">
+            <a:schemeClr val="tx1"/>
+          </a:fontRef>
+        </p:style>
+      </p:cxnSp>
+      <p:sp>
+        <p:nvSpPr>
+          <p:cNvPr id="58" name="Diamond 57">
+            <a:extLst>
+              <a:ext uri="{FF2B5EF4-FFF2-40B4-BE49-F238E27FC236}">
+                <a16:creationId xmlns:a16="http://schemas.microsoft.com/office/drawing/2014/main" id="{CB201EEB-6FBC-0943-BC20-4D3B315879B7}"/>
+              </a:ext>
+            </a:extLst>
+          </p:cNvPr>
+          <p:cNvSpPr/>
+          <p:nvPr/>
+        </p:nvSpPr>
+        <p:spPr>
+          <a:xfrm>
+            <a:off x="8622063" y="4731065"/>
+            <a:ext cx="1684698" cy="1014597"/>
+          </a:xfrm>
+          <a:prstGeom prst="diamond">
+            <a:avLst/>
+          </a:prstGeom>
+          <a:solidFill>
+            <a:schemeClr val="accent5">
+              <a:lumMod val="40000"/>
+              <a:lumOff val="60000"/>
+            </a:schemeClr>
+          </a:solidFill>
+        </p:spPr>
+        <p:style>
+          <a:lnRef idx="2">
+            <a:schemeClr val="accent1">
+              <a:shade val="50000"/>
+            </a:schemeClr>
+          </a:lnRef>
+          <a:fillRef idx="1">
+            <a:schemeClr val="accent1"/>
+          </a:fillRef>
+          <a:effectRef idx="0">
+            <a:schemeClr val="accent1"/>
+          </a:effectRef>
+          <a:fontRef idx="minor">
+            <a:schemeClr val="lt1"/>
+          </a:fontRef>
+        </p:style>
+        <p:txBody>
+          <a:bodyPr rtlCol="0" anchor="ctr"/>
+          <a:lstStyle/>
+          <a:p>
+            <a:pPr algn="ctr"/>
+            <a:r>
+              <a:rPr lang="en-US" sz="1200" i="1" dirty="0">
+                <a:solidFill>
+                  <a:sysClr val="windowText" lastClr="000000"/>
+                </a:solidFill>
+                <a:latin typeface="Times" pitchFamily="2" charset="0"/>
+              </a:rPr>
+              <a:t>Publishes</a:t>
+            </a:r>
+          </a:p>
+        </p:txBody>
+      </p:sp>
+      <p:cxnSp>
+        <p:nvCxnSpPr>
+          <p:cNvPr id="59" name="Straight Connector 58">
+            <a:extLst>
+              <a:ext uri="{FF2B5EF4-FFF2-40B4-BE49-F238E27FC236}">
+                <a16:creationId xmlns:a16="http://schemas.microsoft.com/office/drawing/2014/main" id="{A4126541-3F95-9F48-AE8A-5BC5D82C1F05}"/>
+              </a:ext>
+            </a:extLst>
+          </p:cNvPr>
+          <p:cNvCxnSpPr>
+            <a:cxnSpLocks/>
+            <a:stCxn id="58" idx="3"/>
+            <a:endCxn id="12" idx="1"/>
+          </p:cNvCxnSpPr>
+          <p:nvPr/>
+        </p:nvCxnSpPr>
+        <p:spPr>
+          <a:xfrm>
+            <a:off x="10306761" y="5238364"/>
+            <a:ext cx="560499" cy="0"/>
+          </a:xfrm>
+          <a:prstGeom prst="line">
+            <a:avLst/>
+          </a:prstGeom>
+          <a:ln>
+            <a:headEnd type="none"/>
+            <a:tailEnd type="triangle"/>
+          </a:ln>
+        </p:spPr>
+        <p:style>
+          <a:lnRef idx="1">
+            <a:schemeClr val="accent1"/>
+          </a:lnRef>
+          <a:fillRef idx="0">
+            <a:schemeClr val="accent1"/>
+          </a:fillRef>
+          <a:effectRef idx="0">
+            <a:schemeClr val="accent1"/>
+          </a:effectRef>
+          <a:fontRef idx="minor">
+            <a:schemeClr val="tx1"/>
+          </a:fontRef>
+        </p:style>
+      </p:cxnSp>
+      <p:sp>
+        <p:nvSpPr>
+          <p:cNvPr id="63" name="Diamond 62">
+            <a:extLst>
+              <a:ext uri="{FF2B5EF4-FFF2-40B4-BE49-F238E27FC236}">
+                <a16:creationId xmlns:a16="http://schemas.microsoft.com/office/drawing/2014/main" id="{F6FEE00C-6C96-8040-AE85-337CAD942A14}"/>
+              </a:ext>
+            </a:extLst>
+          </p:cNvPr>
+          <p:cNvSpPr/>
+          <p:nvPr/>
+        </p:nvSpPr>
+        <p:spPr>
+          <a:xfrm>
+            <a:off x="1454312" y="4319741"/>
+            <a:ext cx="1201783" cy="785258"/>
+          </a:xfrm>
+          <a:prstGeom prst="diamond">
+            <a:avLst/>
+          </a:prstGeom>
+          <a:solidFill>
+            <a:schemeClr val="accent5">
+              <a:lumMod val="40000"/>
+              <a:lumOff val="60000"/>
+            </a:schemeClr>
+          </a:solidFill>
+        </p:spPr>
+        <p:style>
+          <a:lnRef idx="2">
+            <a:schemeClr val="accent1">
+              <a:shade val="50000"/>
+            </a:schemeClr>
+          </a:lnRef>
+          <a:fillRef idx="1">
+            <a:schemeClr val="accent1"/>
+          </a:fillRef>
+          <a:effectRef idx="0">
+            <a:schemeClr val="accent1"/>
+          </a:effectRef>
+          <a:fontRef idx="minor">
+            <a:schemeClr val="lt1"/>
+          </a:fontRef>
+        </p:style>
+        <p:txBody>
+          <a:bodyPr rtlCol="0" anchor="ctr"/>
+          <a:lstStyle/>
+          <a:p>
+            <a:pPr algn="ctr"/>
+            <a:r>
+              <a:rPr lang="en-US" sz="1200" i="1" dirty="0">
+                <a:solidFill>
+                  <a:sysClr val="windowText" lastClr="000000"/>
+                </a:solidFill>
+                <a:latin typeface="Times" pitchFamily="2" charset="0"/>
+              </a:rPr>
+              <a:t>checkout</a:t>
+            </a:r>
+          </a:p>
+        </p:txBody>
+      </p:sp>
+      <p:cxnSp>
+        <p:nvCxnSpPr>
+          <p:cNvPr id="68" name="Straight Connector 67">
+            <a:extLst>
+              <a:ext uri="{FF2B5EF4-FFF2-40B4-BE49-F238E27FC236}">
+                <a16:creationId xmlns:a16="http://schemas.microsoft.com/office/drawing/2014/main" id="{9A0DA71C-B603-4A48-8483-1C88AADEE6D0}"/>
+              </a:ext>
+            </a:extLst>
+          </p:cNvPr>
+          <p:cNvCxnSpPr>
+            <a:cxnSpLocks/>
+            <a:stCxn id="71" idx="3"/>
+            <a:endCxn id="11" idx="1"/>
+          </p:cNvCxnSpPr>
+          <p:nvPr/>
+        </p:nvCxnSpPr>
+        <p:spPr>
+          <a:xfrm>
+            <a:off x="5839865" y="3579068"/>
+            <a:ext cx="1474914" cy="0"/>
+          </a:xfrm>
+          <a:prstGeom prst="line">
+            <a:avLst/>
+          </a:prstGeom>
+        </p:spPr>
+        <p:style>
+          <a:lnRef idx="1">
+            <a:schemeClr val="accent1"/>
+          </a:lnRef>
+          <a:fillRef idx="0">
+            <a:schemeClr val="accent1"/>
+          </a:fillRef>
+          <a:effectRef idx="0">
+            <a:schemeClr val="accent1"/>
+          </a:effectRef>
+          <a:fontRef idx="minor">
+            <a:schemeClr val="tx1"/>
+          </a:fontRef>
+        </p:style>
+      </p:cxnSp>
+      <p:sp>
+        <p:nvSpPr>
+          <p:cNvPr id="71" name="Diamond 70">
+            <a:extLst>
+              <a:ext uri="{FF2B5EF4-FFF2-40B4-BE49-F238E27FC236}">
+                <a16:creationId xmlns:a16="http://schemas.microsoft.com/office/drawing/2014/main" id="{D1748B98-86BD-6A42-B09B-A04FE7BB9DC6}"/>
+              </a:ext>
+            </a:extLst>
+          </p:cNvPr>
+          <p:cNvSpPr/>
+          <p:nvPr/>
+        </p:nvSpPr>
+        <p:spPr>
+          <a:xfrm>
+            <a:off x="4188498" y="3186439"/>
+            <a:ext cx="1651367" cy="785258"/>
+          </a:xfrm>
+          <a:prstGeom prst="diamond">
+            <a:avLst/>
+          </a:prstGeom>
+          <a:solidFill>
+            <a:schemeClr val="accent5">
+              <a:lumMod val="40000"/>
+              <a:lumOff val="60000"/>
+            </a:schemeClr>
+          </a:solidFill>
+        </p:spPr>
+        <p:style>
+          <a:lnRef idx="2">
+            <a:schemeClr val="accent1">
+              <a:shade val="50000"/>
+            </a:schemeClr>
+          </a:lnRef>
+          <a:fillRef idx="1">
+            <a:schemeClr val="accent1"/>
+          </a:fillRef>
+          <a:effectRef idx="0">
+            <a:schemeClr val="accent1"/>
+          </a:effectRef>
+          <a:fontRef idx="minor">
+            <a:schemeClr val="lt1"/>
+          </a:fontRef>
+        </p:style>
+        <p:txBody>
+          <a:bodyPr rtlCol="0" anchor="ctr"/>
+          <a:lstStyle/>
+          <a:p>
+            <a:pPr algn="ctr"/>
+            <a:r>
+              <a:rPr lang="en-US" sz="1200" i="1" dirty="0" err="1">
+                <a:solidFill>
+                  <a:sysClr val="windowText" lastClr="000000"/>
+                </a:solidFill>
+                <a:latin typeface="Times" pitchFamily="2" charset="0"/>
+              </a:rPr>
+              <a:t>bask_item</a:t>
+            </a:r>
+            <a:endParaRPr lang="en-US" sz="1200" i="1" dirty="0">
+              <a:solidFill>
+                <a:sysClr val="windowText" lastClr="000000"/>
+              </a:solidFill>
+              <a:latin typeface="Times" pitchFamily="2" charset="0"/>
+            </a:endParaRPr>
+          </a:p>
+        </p:txBody>
+      </p:sp>
+      <p:cxnSp>
+        <p:nvCxnSpPr>
+          <p:cNvPr id="74" name="Straight Connector 73">
+            <a:extLst>
+              <a:ext uri="{FF2B5EF4-FFF2-40B4-BE49-F238E27FC236}">
+                <a16:creationId xmlns:a16="http://schemas.microsoft.com/office/drawing/2014/main" id="{199A7694-09AF-C148-B3DC-347DDD72ACD6}"/>
+              </a:ext>
+            </a:extLst>
+          </p:cNvPr>
+          <p:cNvCxnSpPr>
+            <a:cxnSpLocks/>
+            <a:stCxn id="71" idx="1"/>
+            <a:endCxn id="13" idx="3"/>
+          </p:cNvCxnSpPr>
+          <p:nvPr/>
+        </p:nvCxnSpPr>
+        <p:spPr>
+          <a:xfrm flipH="1">
+            <a:off x="2594319" y="3579068"/>
+            <a:ext cx="1594179" cy="0"/>
+          </a:xfrm>
+          <a:prstGeom prst="line">
+            <a:avLst/>
+          </a:prstGeom>
+        </p:spPr>
+        <p:style>
+          <a:lnRef idx="1">
+            <a:schemeClr val="accent1"/>
+          </a:lnRef>
+          <a:fillRef idx="0">
+            <a:schemeClr val="accent1"/>
+          </a:fillRef>
+          <a:effectRef idx="0">
+            <a:schemeClr val="accent1"/>
+          </a:effectRef>
+          <a:fontRef idx="minor">
+            <a:schemeClr val="tx1"/>
+          </a:fontRef>
+        </p:style>
+      </p:cxnSp>
+      <p:sp>
+        <p:nvSpPr>
+          <p:cNvPr id="83" name="Diamond 82">
+            <a:extLst>
+              <a:ext uri="{FF2B5EF4-FFF2-40B4-BE49-F238E27FC236}">
+                <a16:creationId xmlns:a16="http://schemas.microsoft.com/office/drawing/2014/main" id="{51E7EF0F-ED9D-7D4C-8848-14FB5880B7A0}"/>
+              </a:ext>
+            </a:extLst>
+          </p:cNvPr>
+          <p:cNvSpPr/>
+          <p:nvPr/>
+        </p:nvSpPr>
+        <p:spPr>
+          <a:xfrm>
+            <a:off x="1033153" y="1684438"/>
+            <a:ext cx="2056434" cy="785258"/>
+          </a:xfrm>
+          <a:prstGeom prst="diamond">
+            <a:avLst/>
+          </a:prstGeom>
+          <a:solidFill>
+            <a:schemeClr val="accent5">
+              <a:lumMod val="40000"/>
+              <a:lumOff val="60000"/>
+            </a:schemeClr>
+          </a:solidFill>
+        </p:spPr>
+        <p:style>
+          <a:lnRef idx="2">
+            <a:schemeClr val="accent1">
+              <a:shade val="50000"/>
+            </a:schemeClr>
+          </a:lnRef>
+          <a:fillRef idx="1">
+            <a:schemeClr val="accent1"/>
+          </a:fillRef>
+          <a:effectRef idx="0">
+            <a:schemeClr val="accent1"/>
+          </a:effectRef>
+          <a:fontRef idx="minor">
+            <a:schemeClr val="lt1"/>
+          </a:fontRef>
+        </p:style>
+        <p:txBody>
+          <a:bodyPr rtlCol="0" anchor="ctr"/>
+          <a:lstStyle/>
+          <a:p>
+            <a:pPr algn="ctr"/>
+            <a:r>
+              <a:rPr lang="en-US" sz="1200" i="1" dirty="0" err="1">
+                <a:solidFill>
+                  <a:sysClr val="windowText" lastClr="000000"/>
+                </a:solidFill>
+                <a:latin typeface="Times" pitchFamily="2" charset="0"/>
+              </a:rPr>
+              <a:t>bask_manage</a:t>
+            </a:r>
+            <a:endParaRPr lang="en-US" sz="1200" i="1" dirty="0">
+              <a:solidFill>
+                <a:sysClr val="windowText" lastClr="000000"/>
+              </a:solidFill>
+              <a:latin typeface="Times" pitchFamily="2" charset="0"/>
+            </a:endParaRPr>
+          </a:p>
+        </p:txBody>
+      </p:sp>
+      <p:cxnSp>
+        <p:nvCxnSpPr>
+          <p:cNvPr id="85" name="Straight Connector 84">
+            <a:extLst>
+              <a:ext uri="{FF2B5EF4-FFF2-40B4-BE49-F238E27FC236}">
+                <a16:creationId xmlns:a16="http://schemas.microsoft.com/office/drawing/2014/main" id="{A2AAEF91-A41F-0742-8F6F-E74ABBC436D9}"/>
+              </a:ext>
+            </a:extLst>
+          </p:cNvPr>
+          <p:cNvCxnSpPr>
+            <a:cxnSpLocks/>
+            <a:stCxn id="83" idx="3"/>
+            <a:endCxn id="139" idx="1"/>
+          </p:cNvCxnSpPr>
+          <p:nvPr/>
+        </p:nvCxnSpPr>
+        <p:spPr>
+          <a:xfrm>
+            <a:off x="3089587" y="2077067"/>
+            <a:ext cx="247021" cy="2092"/>
+          </a:xfrm>
+          <a:prstGeom prst="line">
+            <a:avLst/>
+          </a:prstGeom>
+          <a:ln>
+            <a:headEnd type="none"/>
+            <a:tailEnd type="triangle"/>
+          </a:ln>
+        </p:spPr>
+        <p:style>
+          <a:lnRef idx="1">
+            <a:schemeClr val="accent1"/>
+          </a:lnRef>
+          <a:fillRef idx="0">
+            <a:schemeClr val="accent1"/>
+          </a:fillRef>
+          <a:effectRef idx="0">
+            <a:schemeClr val="accent1"/>
+          </a:effectRef>
+          <a:fontRef idx="minor">
+            <a:schemeClr val="tx1"/>
+          </a:fontRef>
+        </p:style>
+      </p:cxnSp>
+      <p:cxnSp>
+        <p:nvCxnSpPr>
+          <p:cNvPr id="88" name="Straight Connector 87">
+            <a:extLst>
+              <a:ext uri="{FF2B5EF4-FFF2-40B4-BE49-F238E27FC236}">
+                <a16:creationId xmlns:a16="http://schemas.microsoft.com/office/drawing/2014/main" id="{7C54BA29-6DAD-E54F-A697-60C400AFD9D7}"/>
+              </a:ext>
+            </a:extLst>
+          </p:cNvPr>
+          <p:cNvCxnSpPr>
+            <a:cxnSpLocks/>
+            <a:stCxn id="83" idx="2"/>
+            <a:endCxn id="13" idx="0"/>
+          </p:cNvCxnSpPr>
+          <p:nvPr/>
+        </p:nvCxnSpPr>
+        <p:spPr>
+          <a:xfrm flipH="1">
+            <a:off x="2055204" y="2469696"/>
+            <a:ext cx="6166" cy="527744"/>
+          </a:xfrm>
+          <a:prstGeom prst="line">
+            <a:avLst/>
+          </a:prstGeom>
+          <a:ln>
+            <a:headEnd type="none"/>
+            <a:tailEnd type="none"/>
+          </a:ln>
+        </p:spPr>
+        <p:style>
+          <a:lnRef idx="1">
+            <a:schemeClr val="accent1"/>
+          </a:lnRef>
+          <a:fillRef idx="0">
+            <a:schemeClr val="accent1"/>
+          </a:fillRef>
+          <a:effectRef idx="0">
+            <a:schemeClr val="accent1"/>
+          </a:effectRef>
+          <a:fontRef idx="minor">
+            <a:schemeClr val="tx1"/>
+          </a:fontRef>
+        </p:style>
+      </p:cxnSp>
+      <p:cxnSp>
+        <p:nvCxnSpPr>
+          <p:cNvPr id="113" name="Straight Connector 112">
+            <a:extLst>
+              <a:ext uri="{FF2B5EF4-FFF2-40B4-BE49-F238E27FC236}">
+                <a16:creationId xmlns:a16="http://schemas.microsoft.com/office/drawing/2014/main" id="{86674C74-450E-9E4C-AC34-F2CBA8E561A6}"/>
+              </a:ext>
+            </a:extLst>
+          </p:cNvPr>
+          <p:cNvCxnSpPr>
+            <a:cxnSpLocks/>
+            <a:stCxn id="63" idx="0"/>
+            <a:endCxn id="13" idx="2"/>
+          </p:cNvCxnSpPr>
+          <p:nvPr/>
+        </p:nvCxnSpPr>
+        <p:spPr>
+          <a:xfrm flipV="1">
+            <a:off x="2055204" y="4160697"/>
+            <a:ext cx="0" cy="159044"/>
+          </a:xfrm>
+          <a:prstGeom prst="line">
+            <a:avLst/>
+          </a:prstGeom>
+        </p:spPr>
+        <p:style>
+          <a:lnRef idx="1">
+            <a:schemeClr val="accent1"/>
+          </a:lnRef>
+          <a:fillRef idx="0">
+            <a:schemeClr val="accent1"/>
+          </a:fillRef>
+          <a:effectRef idx="0">
+            <a:schemeClr val="accent1"/>
+          </a:effectRef>
+          <a:fontRef idx="minor">
+            <a:schemeClr val="tx1"/>
+          </a:fontRef>
+        </p:style>
+      </p:cxnSp>
+      <p:cxnSp>
+        <p:nvCxnSpPr>
+          <p:cNvPr id="116" name="Straight Connector 115">
+            <a:extLst>
+              <a:ext uri="{FF2B5EF4-FFF2-40B4-BE49-F238E27FC236}">
+                <a16:creationId xmlns:a16="http://schemas.microsoft.com/office/drawing/2014/main" id="{EE11C82C-B032-0346-A3DD-95236DA2ECD1}"/>
+              </a:ext>
+            </a:extLst>
+          </p:cNvPr>
+          <p:cNvCxnSpPr>
+            <a:stCxn id="63" idx="2"/>
+            <a:endCxn id="76" idx="0"/>
+          </p:cNvCxnSpPr>
+          <p:nvPr/>
+        </p:nvCxnSpPr>
+        <p:spPr>
+          <a:xfrm flipH="1">
+            <a:off x="2055203" y="5104999"/>
+            <a:ext cx="1" cy="211064"/>
+          </a:xfrm>
+          <a:prstGeom prst="line">
+            <a:avLst/>
+          </a:prstGeom>
+          <a:ln>
+            <a:headEnd type="none"/>
+            <a:tailEnd type="triangle"/>
+          </a:ln>
+        </p:spPr>
+        <p:style>
+          <a:lnRef idx="1">
+            <a:schemeClr val="accent1"/>
+          </a:lnRef>
+          <a:fillRef idx="0">
+            <a:schemeClr val="accent1"/>
+          </a:fillRef>
+          <a:effectRef idx="0">
+            <a:schemeClr val="accent1"/>
+          </a:effectRef>
+          <a:fontRef idx="minor">
+            <a:schemeClr val="tx1"/>
+          </a:fontRef>
+        </p:style>
+      </p:cxnSp>
+      <p:graphicFrame>
+        <p:nvGraphicFramePr>
+          <p:cNvPr id="118" name="Table 117">
+            <a:extLst>
+              <a:ext uri="{FF2B5EF4-FFF2-40B4-BE49-F238E27FC236}">
+                <a16:creationId xmlns:a16="http://schemas.microsoft.com/office/drawing/2014/main" id="{A8A83D2A-B447-704A-BBC7-2498C7D43D3E}"/>
+              </a:ext>
+            </a:extLst>
+          </p:cNvPr>
+          <p:cNvGraphicFramePr>
+            <a:graphicFrameLocks noGrp="1"/>
+          </p:cNvGraphicFramePr>
+          <p:nvPr>
+            <p:extLst>
+              <p:ext uri="{D42A27DB-BD31-4B8C-83A1-F6EECF244321}">
+                <p14:modId xmlns:p14="http://schemas.microsoft.com/office/powerpoint/2010/main" val="2546891773"/>
+              </p:ext>
+            </p:extLst>
+          </p:nvPr>
+        </p:nvGraphicFramePr>
+        <p:xfrm>
+          <a:off x="4672280" y="4403221"/>
+          <a:ext cx="684670" cy="315661"/>
+        </p:xfrm>
+        <a:graphic>
+          <a:graphicData uri="http://schemas.openxmlformats.org/drawingml/2006/table">
+            <a:tbl>
+              <a:tblPr firstRow="1" bandRow="1">
+                <a:tableStyleId>{5FD0F851-EC5A-4D38-B0AD-8093EC10F338}</a:tableStyleId>
+              </a:tblPr>
+              <a:tblGrid>
+                <a:gridCol w="684670">
+                  <a:extLst>
+                    <a:ext uri="{9D8B030D-6E8A-4147-A177-3AD203B41FA5}">
+                      <a16:colId xmlns:a16="http://schemas.microsoft.com/office/drawing/2014/main" val="1069656790"/>
+                    </a:ext>
+                  </a:extLst>
+                </a:gridCol>
+              </a:tblGrid>
+              <a:tr h="315661">
+                <a:tc>
+                  <a:txBody>
+                    <a:bodyPr/>
+                    <a:lstStyle/>
+                    <a:p>
+                      <a:pPr algn="ctr"/>
+                      <a:r>
+                        <a:rPr lang="en-US" sz="1200" b="0" dirty="0">
+                          <a:latin typeface="Times" pitchFamily="2" charset="0"/>
+                        </a:rPr>
+                        <a:t>quantity</a:t>
+                      </a:r>
+                    </a:p>
+                  </a:txBody>
+                  <a:tcPr>
+                    <a:lnL w="9525" cap="flat" cmpd="sng" algn="ctr">
+                      <a:solidFill>
+                        <a:schemeClr val="tx1"/>
+                      </a:solidFill>
+                      <a:prstDash val="solid"/>
+                      <a:round/>
+                      <a:headEnd type="none" w="med" len="med"/>
+                      <a:tailEnd type="none" w="med" len="med"/>
+                    </a:lnL>
+                    <a:lnR w="9525" cap="flat" cmpd="sng" algn="ctr">
+                      <a:solidFill>
+                        <a:schemeClr val="tx1"/>
+                      </a:solidFill>
+                      <a:prstDash val="solid"/>
+                      <a:round/>
+                      <a:headEnd type="none" w="med" len="med"/>
+                      <a:tailEnd type="none" w="med" len="med"/>
+                    </a:lnR>
+                    <a:lnT w="9525" cap="flat" cmpd="sng" algn="ctr">
+                      <a:solidFill>
+                        <a:schemeClr val="tx1"/>
+                      </a:solidFill>
+                      <a:prstDash val="solid"/>
+                      <a:round/>
+                      <a:headEnd type="none" w="med" len="med"/>
+                      <a:tailEnd type="none" w="med" len="med"/>
+                    </a:lnT>
+                    <a:lnB w="9525" cap="flat" cmpd="sng" algn="ctr">
+                      <a:solidFill>
+                        <a:schemeClr val="tx1"/>
+                      </a:solidFill>
+                      <a:prstDash val="solid"/>
+                      <a:round/>
+                      <a:headEnd type="none" w="med" len="med"/>
+                      <a:tailEnd type="none" w="med" len="med"/>
+                    </a:lnB>
+                    <a:solidFill>
+                      <a:schemeClr val="bg1">
+                        <a:alpha val="20000"/>
+                      </a:schemeClr>
+                    </a:solidFill>
+                  </a:tcPr>
+                </a:tc>
+                <a:extLst>
+                  <a:ext uri="{0D108BD9-81ED-4DB2-BD59-A6C34878D82A}">
+                    <a16:rowId xmlns:a16="http://schemas.microsoft.com/office/drawing/2014/main" val="2009406627"/>
+                  </a:ext>
+                </a:extLst>
+              </a:tr>
+            </a:tbl>
+          </a:graphicData>
+        </a:graphic>
+      </p:graphicFrame>
+      <p:cxnSp>
+        <p:nvCxnSpPr>
+          <p:cNvPr id="120" name="Straight Connector 119">
+            <a:extLst>
+              <a:ext uri="{FF2B5EF4-FFF2-40B4-BE49-F238E27FC236}">
+                <a16:creationId xmlns:a16="http://schemas.microsoft.com/office/drawing/2014/main" id="{CAC4BBD2-21F5-8C48-B5DB-7E1A13B5A950}"/>
+              </a:ext>
+            </a:extLst>
+          </p:cNvPr>
+          <p:cNvCxnSpPr>
+            <a:stCxn id="71" idx="2"/>
+            <a:endCxn id="118" idx="0"/>
+          </p:cNvCxnSpPr>
+          <p:nvPr/>
+        </p:nvCxnSpPr>
+        <p:spPr>
+          <a:xfrm>
+            <a:off x="5014182" y="3971697"/>
+            <a:ext cx="433" cy="431524"/>
+          </a:xfrm>
+          <a:prstGeom prst="line">
+            <a:avLst/>
+          </a:prstGeom>
+          <a:ln>
+            <a:prstDash val="dash"/>
+          </a:ln>
+        </p:spPr>
+        <p:style>
+          <a:lnRef idx="1">
+            <a:schemeClr val="accent1"/>
+          </a:lnRef>
+          <a:fillRef idx="0">
+            <a:schemeClr val="accent1"/>
+          </a:fillRef>
+          <a:effectRef idx="0">
+            <a:schemeClr val="accent1"/>
+          </a:effectRef>
+          <a:fontRef idx="minor">
+            <a:schemeClr val="tx1"/>
+          </a:fontRef>
+        </p:style>
+      </p:cxnSp>
+      <p:graphicFrame>
+        <p:nvGraphicFramePr>
+          <p:cNvPr id="124" name="Table 123">
+            <a:extLst>
+              <a:ext uri="{FF2B5EF4-FFF2-40B4-BE49-F238E27FC236}">
+                <a16:creationId xmlns:a16="http://schemas.microsoft.com/office/drawing/2014/main" id="{4D1F40F1-EF09-8F4D-9E47-960595E01741}"/>
+              </a:ext>
+            </a:extLst>
+          </p:cNvPr>
+          <p:cNvGraphicFramePr>
+            <a:graphicFrameLocks noGrp="1"/>
+          </p:cNvGraphicFramePr>
+          <p:nvPr>
+            <p:extLst>
+              <p:ext uri="{D42A27DB-BD31-4B8C-83A1-F6EECF244321}">
+                <p14:modId xmlns:p14="http://schemas.microsoft.com/office/powerpoint/2010/main" val="1666002565"/>
+              </p:ext>
+            </p:extLst>
+          </p:nvPr>
+        </p:nvGraphicFramePr>
+        <p:xfrm>
+          <a:off x="9122077" y="6124815"/>
+          <a:ext cx="684670" cy="315661"/>
+        </p:xfrm>
+        <a:graphic>
+          <a:graphicData uri="http://schemas.openxmlformats.org/drawingml/2006/table">
+            <a:tbl>
+              <a:tblPr firstRow="1" bandRow="1">
+                <a:tableStyleId>{5FD0F851-EC5A-4D38-B0AD-8093EC10F338}</a:tableStyleId>
+              </a:tblPr>
+              <a:tblGrid>
+                <a:gridCol w="684670">
+                  <a:extLst>
+                    <a:ext uri="{9D8B030D-6E8A-4147-A177-3AD203B41FA5}">
+                      <a16:colId xmlns:a16="http://schemas.microsoft.com/office/drawing/2014/main" val="1069656790"/>
+                    </a:ext>
+                  </a:extLst>
+                </a:gridCol>
+              </a:tblGrid>
+              <a:tr h="315661">
+                <a:tc>
+                  <a:txBody>
+                    <a:bodyPr/>
+                    <a:lstStyle/>
+                    <a:p>
+                      <a:pPr algn="ctr"/>
+                      <a:r>
+                        <a:rPr lang="en-US" sz="1200" b="0" dirty="0">
+                          <a:latin typeface="Times" pitchFamily="2" charset="0"/>
+                        </a:rPr>
+                        <a:t>year</a:t>
+                      </a:r>
+                    </a:p>
+                  </a:txBody>
+                  <a:tcPr>
+                    <a:lnL w="9525" cap="flat" cmpd="sng" algn="ctr">
+                      <a:solidFill>
+                        <a:schemeClr val="tx1"/>
+                      </a:solidFill>
+                      <a:prstDash val="solid"/>
+                      <a:round/>
+                      <a:headEnd type="none" w="med" len="med"/>
+                      <a:tailEnd type="none" w="med" len="med"/>
+                    </a:lnL>
+                    <a:lnR w="9525" cap="flat" cmpd="sng" algn="ctr">
+                      <a:solidFill>
+                        <a:schemeClr val="tx1"/>
+                      </a:solidFill>
+                      <a:prstDash val="solid"/>
+                      <a:round/>
+                      <a:headEnd type="none" w="med" len="med"/>
+                      <a:tailEnd type="none" w="med" len="med"/>
+                    </a:lnR>
+                    <a:lnT w="9525" cap="flat" cmpd="sng" algn="ctr">
+                      <a:solidFill>
+                        <a:schemeClr val="tx1"/>
+                      </a:solidFill>
+                      <a:prstDash val="solid"/>
+                      <a:round/>
+                      <a:headEnd type="none" w="med" len="med"/>
+                      <a:tailEnd type="none" w="med" len="med"/>
+                    </a:lnT>
+                    <a:lnB w="9525" cap="flat" cmpd="sng" algn="ctr">
+                      <a:solidFill>
+                        <a:schemeClr val="tx1"/>
+                      </a:solidFill>
+                      <a:prstDash val="solid"/>
+                      <a:round/>
+                      <a:headEnd type="none" w="med" len="med"/>
+                      <a:tailEnd type="none" w="med" len="med"/>
+                    </a:lnB>
+                    <a:solidFill>
+                      <a:schemeClr val="bg1">
+                        <a:alpha val="20000"/>
+                      </a:schemeClr>
+                    </a:solidFill>
+                  </a:tcPr>
+                </a:tc>
+                <a:extLst>
+                  <a:ext uri="{0D108BD9-81ED-4DB2-BD59-A6C34878D82A}">
+                    <a16:rowId xmlns:a16="http://schemas.microsoft.com/office/drawing/2014/main" val="2009406627"/>
+                  </a:ext>
+                </a:extLst>
+              </a:tr>
+            </a:tbl>
+          </a:graphicData>
+        </a:graphic>
+      </p:graphicFrame>
+      <p:cxnSp>
+        <p:nvCxnSpPr>
+          <p:cNvPr id="125" name="Straight Connector 124">
+            <a:extLst>
+              <a:ext uri="{FF2B5EF4-FFF2-40B4-BE49-F238E27FC236}">
+                <a16:creationId xmlns:a16="http://schemas.microsoft.com/office/drawing/2014/main" id="{285E3736-FB3C-144C-B83E-13FC9BBFD9CD}"/>
+              </a:ext>
+            </a:extLst>
+          </p:cNvPr>
+          <p:cNvCxnSpPr>
+            <a:cxnSpLocks/>
+            <a:stCxn id="58" idx="2"/>
+            <a:endCxn id="124" idx="0"/>
+          </p:cNvCxnSpPr>
+          <p:nvPr/>
+        </p:nvCxnSpPr>
+        <p:spPr>
+          <a:xfrm>
+            <a:off x="9464412" y="5745662"/>
+            <a:ext cx="0" cy="379153"/>
+          </a:xfrm>
+          <a:prstGeom prst="line">
+            <a:avLst/>
+          </a:prstGeom>
+          <a:ln>
+            <a:prstDash val="dash"/>
+          </a:ln>
+        </p:spPr>
+        <p:style>
+          <a:lnRef idx="1">
+            <a:schemeClr val="accent1"/>
+          </a:lnRef>
+          <a:fillRef idx="0">
+            <a:schemeClr val="accent1"/>
+          </a:fillRef>
+          <a:effectRef idx="0">
+            <a:schemeClr val="accent1"/>
+          </a:effectRef>
+          <a:fontRef idx="minor">
+            <a:schemeClr val="tx1"/>
+          </a:fontRef>
+        </p:style>
+      </p:cxnSp>
+      <p:graphicFrame>
+        <p:nvGraphicFramePr>
+          <p:cNvPr id="129" name="Table 128">
+            <a:extLst>
+              <a:ext uri="{FF2B5EF4-FFF2-40B4-BE49-F238E27FC236}">
+                <a16:creationId xmlns:a16="http://schemas.microsoft.com/office/drawing/2014/main" id="{B390E181-B6B5-794A-9C6C-DA783BF873FC}"/>
+              </a:ext>
+            </a:extLst>
+          </p:cNvPr>
+          <p:cNvGraphicFramePr>
+            <a:graphicFrameLocks noGrp="1"/>
+          </p:cNvGraphicFramePr>
+          <p:nvPr>
+            <p:extLst>
+              <p:ext uri="{D42A27DB-BD31-4B8C-83A1-F6EECF244321}">
+                <p14:modId xmlns:p14="http://schemas.microsoft.com/office/powerpoint/2010/main" val="986978326"/>
+              </p:ext>
+            </p:extLst>
+          </p:nvPr>
+        </p:nvGraphicFramePr>
+        <p:xfrm>
+          <a:off x="5376287" y="1495438"/>
+          <a:ext cx="1210788" cy="1163257"/>
+        </p:xfrm>
+        <a:graphic>
+          <a:graphicData uri="http://schemas.openxmlformats.org/drawingml/2006/table">
+            <a:tbl>
+              <a:tblPr firstRow="1" bandRow="1">
+                <a:tableStyleId>{5FD0F851-EC5A-4D38-B0AD-8093EC10F338}</a:tableStyleId>
+              </a:tblPr>
+              <a:tblGrid>
+                <a:gridCol w="1210788">
+                  <a:extLst>
+                    <a:ext uri="{9D8B030D-6E8A-4147-A177-3AD203B41FA5}">
+                      <a16:colId xmlns:a16="http://schemas.microsoft.com/office/drawing/2014/main" val="1069656790"/>
+                    </a:ext>
+                  </a:extLst>
+                </a:gridCol>
+              </a:tblGrid>
+              <a:tr h="146680">
+                <a:tc>
+                  <a:txBody>
+                    <a:bodyPr/>
+                    <a:lstStyle/>
+                    <a:p>
+                      <a:pPr algn="ctr"/>
+                      <a:r>
+                        <a:rPr lang="en-US" sz="1200" b="0" dirty="0">
+                          <a:latin typeface="Times" pitchFamily="2" charset="0"/>
+                        </a:rPr>
+                        <a:t>librarian</a:t>
+                      </a:r>
+                    </a:p>
+                  </a:txBody>
+                  <a:tcPr anchor="ctr">
+                    <a:lnL w="9525" cap="flat" cmpd="sng" algn="ctr">
+                      <a:solidFill>
+                        <a:schemeClr val="tx1"/>
+                      </a:solidFill>
+                      <a:prstDash val="solid"/>
+                      <a:round/>
+                      <a:headEnd type="none" w="med" len="med"/>
+                      <a:tailEnd type="none" w="med" len="med"/>
+                    </a:lnL>
+                    <a:lnR w="9525" cap="flat" cmpd="sng" algn="ctr">
+                      <a:solidFill>
+                        <a:schemeClr val="tx1"/>
+                      </a:solidFill>
+                      <a:prstDash val="solid"/>
+                      <a:round/>
+                      <a:headEnd type="none" w="med" len="med"/>
+                      <a:tailEnd type="none" w="med" len="med"/>
+                    </a:lnR>
+                    <a:lnT w="9525" cap="flat" cmpd="sng" algn="ctr">
+                      <a:solidFill>
+                        <a:schemeClr val="tx1"/>
+                      </a:solidFill>
+                      <a:prstDash val="solid"/>
+                      <a:round/>
+                      <a:headEnd type="none" w="med" len="med"/>
+                      <a:tailEnd type="none" w="med" len="med"/>
+                    </a:lnT>
+                    <a:lnB w="9525" cap="flat" cmpd="sng" algn="ctr">
+                      <a:solidFill>
+                        <a:schemeClr val="tx1"/>
+                      </a:solidFill>
+                      <a:prstDash val="solid"/>
+                      <a:round/>
+                      <a:headEnd type="none" w="med" len="med"/>
+                      <a:tailEnd type="none" w="med" len="med"/>
+                    </a:lnB>
+                    <a:solidFill>
+                      <a:schemeClr val="accent5">
+                        <a:lumMod val="40000"/>
+                        <a:lumOff val="60000"/>
+                      </a:schemeClr>
+                    </a:solidFill>
+                  </a:tcPr>
+                </a:tc>
+                <a:extLst>
+                  <a:ext uri="{0D108BD9-81ED-4DB2-BD59-A6C34878D82A}">
+                    <a16:rowId xmlns:a16="http://schemas.microsoft.com/office/drawing/2014/main" val="3513791863"/>
+                  </a:ext>
+                </a:extLst>
+              </a:tr>
+              <a:tr h="888937">
+                <a:tc>
+                  <a:txBody>
+                    <a:bodyPr/>
+                    <a:lstStyle/>
+                    <a:p>
+                      <a:pPr algn="l"/>
+                      <a:r>
+                        <a:rPr lang="en-US" sz="1200" dirty="0">
+                          <a:latin typeface="Times" pitchFamily="2" charset="0"/>
+                        </a:rPr>
+                        <a:t>salary</a:t>
+                      </a:r>
+                    </a:p>
+                  </a:txBody>
+                  <a:tcPr>
+                    <a:lnL w="9525" cap="flat" cmpd="sng" algn="ctr">
+                      <a:solidFill>
+                        <a:schemeClr val="tx1"/>
+                      </a:solidFill>
+                      <a:prstDash val="solid"/>
+                      <a:round/>
+                      <a:headEnd type="none" w="med" len="med"/>
+                      <a:tailEnd type="none" w="med" len="med"/>
+                    </a:lnL>
+                    <a:lnR w="9525" cap="flat" cmpd="sng" algn="ctr">
+                      <a:solidFill>
+                        <a:schemeClr val="tx1"/>
+                      </a:solidFill>
+                      <a:prstDash val="solid"/>
+                      <a:round/>
+                      <a:headEnd type="none" w="med" len="med"/>
+                      <a:tailEnd type="none" w="med" len="med"/>
+                    </a:lnR>
+                    <a:lnT w="9525" cap="flat" cmpd="sng" algn="ctr">
+                      <a:solidFill>
+                        <a:schemeClr val="tx1"/>
+                      </a:solidFill>
+                      <a:prstDash val="solid"/>
+                      <a:round/>
+                      <a:headEnd type="none" w="med" len="med"/>
+                      <a:tailEnd type="none" w="med" len="med"/>
+                    </a:lnT>
+                    <a:lnB w="9525" cap="flat" cmpd="sng" algn="ctr">
+                      <a:solidFill>
+                        <a:schemeClr val="tx1"/>
+                      </a:solidFill>
+                      <a:prstDash val="solid"/>
+                      <a:round/>
+                      <a:headEnd type="none" w="med" len="med"/>
+                      <a:tailEnd type="none" w="med" len="med"/>
+                    </a:lnB>
+                    <a:solidFill>
+                      <a:schemeClr val="bg1">
+                        <a:alpha val="20000"/>
+                      </a:schemeClr>
+                    </a:solidFill>
+                  </a:tcPr>
+                </a:tc>
+                <a:extLst>
+                  <a:ext uri="{0D108BD9-81ED-4DB2-BD59-A6C34878D82A}">
+                    <a16:rowId xmlns:a16="http://schemas.microsoft.com/office/drawing/2014/main" val="2009406627"/>
+                  </a:ext>
+                </a:extLst>
+              </a:tr>
+            </a:tbl>
+          </a:graphicData>
+        </a:graphic>
+      </p:graphicFrame>
+      <p:cxnSp>
+        <p:nvCxnSpPr>
+          <p:cNvPr id="133" name="Straight Arrow Connector 132">
+            <a:extLst>
+              <a:ext uri="{FF2B5EF4-FFF2-40B4-BE49-F238E27FC236}">
+                <a16:creationId xmlns:a16="http://schemas.microsoft.com/office/drawing/2014/main" id="{C45E9ECF-9656-B742-BDF2-A6E0D51788E5}"/>
+              </a:ext>
+            </a:extLst>
+          </p:cNvPr>
+          <p:cNvCxnSpPr>
+            <a:cxnSpLocks/>
+            <a:stCxn id="129" idx="1"/>
+            <a:endCxn id="4" idx="2"/>
+          </p:cNvCxnSpPr>
+          <p:nvPr/>
+        </p:nvCxnSpPr>
+        <p:spPr>
+          <a:xfrm flipH="1" flipV="1">
+            <a:off x="5014181" y="1199403"/>
+            <a:ext cx="362106" cy="877663"/>
+          </a:xfrm>
+          <a:prstGeom prst="straightConnector1">
+            <a:avLst/>
+          </a:prstGeom>
+          <a:ln cap="flat" cmpd="sng">
+            <a:solidFill>
+              <a:schemeClr val="accent1"/>
+            </a:solidFill>
+            <a:prstDash val="solid"/>
+            <a:miter lim="800000"/>
+            <a:tailEnd type="triangle" w="lg" len="med"/>
+          </a:ln>
+        </p:spPr>
+        <p:style>
+          <a:lnRef idx="1">
+            <a:schemeClr val="accent1"/>
+          </a:lnRef>
+          <a:fillRef idx="0">
+            <a:schemeClr val="accent1"/>
+          </a:fillRef>
+          <a:effectRef idx="0">
+            <a:schemeClr val="accent1"/>
+          </a:effectRef>
+          <a:fontRef idx="minor">
+            <a:schemeClr val="tx1"/>
+          </a:fontRef>
+        </p:style>
+      </p:cxnSp>
+      <p:graphicFrame>
+        <p:nvGraphicFramePr>
+          <p:cNvPr id="139" name="Table 138">
+            <a:extLst>
+              <a:ext uri="{FF2B5EF4-FFF2-40B4-BE49-F238E27FC236}">
+                <a16:creationId xmlns:a16="http://schemas.microsoft.com/office/drawing/2014/main" id="{8B8DD644-E9B5-5A4B-A285-62A16832A5D8}"/>
+              </a:ext>
+            </a:extLst>
+          </p:cNvPr>
+          <p:cNvGraphicFramePr>
+            <a:graphicFrameLocks noGrp="1"/>
+          </p:cNvGraphicFramePr>
+          <p:nvPr>
+            <p:extLst>
+              <p:ext uri="{D42A27DB-BD31-4B8C-83A1-F6EECF244321}">
+                <p14:modId xmlns:p14="http://schemas.microsoft.com/office/powerpoint/2010/main" val="899582402"/>
+              </p:ext>
+            </p:extLst>
+          </p:nvPr>
+        </p:nvGraphicFramePr>
+        <p:xfrm>
+          <a:off x="3336608" y="1497531"/>
+          <a:ext cx="1210788" cy="1163257"/>
+        </p:xfrm>
+        <a:graphic>
+          <a:graphicData uri="http://schemas.openxmlformats.org/drawingml/2006/table">
+            <a:tbl>
+              <a:tblPr firstRow="1" bandRow="1">
+                <a:tableStyleId>{5FD0F851-EC5A-4D38-B0AD-8093EC10F338}</a:tableStyleId>
+              </a:tblPr>
+              <a:tblGrid>
+                <a:gridCol w="1210788">
+                  <a:extLst>
+                    <a:ext uri="{9D8B030D-6E8A-4147-A177-3AD203B41FA5}">
+                      <a16:colId xmlns:a16="http://schemas.microsoft.com/office/drawing/2014/main" val="1069656790"/>
+                    </a:ext>
+                  </a:extLst>
+                </a:gridCol>
+              </a:tblGrid>
+              <a:tr h="146680">
+                <a:tc>
+                  <a:txBody>
+                    <a:bodyPr/>
+                    <a:lstStyle/>
+                    <a:p>
+                      <a:pPr algn="ctr"/>
+                      <a:r>
+                        <a:rPr lang="en-US" sz="1200" b="0" dirty="0">
+                          <a:latin typeface="Times" pitchFamily="2" charset="0"/>
+                        </a:rPr>
+                        <a:t>customer</a:t>
+                      </a:r>
+                    </a:p>
+                  </a:txBody>
+                  <a:tcPr anchor="ctr">
+                    <a:lnL w="9525" cap="flat" cmpd="sng" algn="ctr">
+                      <a:solidFill>
+                        <a:schemeClr val="tx1"/>
+                      </a:solidFill>
+                      <a:prstDash val="solid"/>
+                      <a:round/>
+                      <a:headEnd type="none" w="med" len="med"/>
+                      <a:tailEnd type="none" w="med" len="med"/>
+                    </a:lnL>
+                    <a:lnR w="9525" cap="flat" cmpd="sng" algn="ctr">
+                      <a:solidFill>
+                        <a:schemeClr val="tx1"/>
+                      </a:solidFill>
+                      <a:prstDash val="solid"/>
+                      <a:round/>
+                      <a:headEnd type="none" w="med" len="med"/>
+                      <a:tailEnd type="none" w="med" len="med"/>
+                    </a:lnR>
+                    <a:lnT w="9525" cap="flat" cmpd="sng" algn="ctr">
+                      <a:solidFill>
+                        <a:schemeClr val="tx1"/>
+                      </a:solidFill>
+                      <a:prstDash val="solid"/>
+                      <a:round/>
+                      <a:headEnd type="none" w="med" len="med"/>
+                      <a:tailEnd type="none" w="med" len="med"/>
+                    </a:lnT>
+                    <a:lnB w="9525" cap="flat" cmpd="sng" algn="ctr">
+                      <a:solidFill>
+                        <a:schemeClr val="tx1"/>
+                      </a:solidFill>
+                      <a:prstDash val="solid"/>
+                      <a:round/>
+                      <a:headEnd type="none" w="med" len="med"/>
+                      <a:tailEnd type="none" w="med" len="med"/>
+                    </a:lnB>
+                    <a:solidFill>
+                      <a:schemeClr val="accent5">
+                        <a:lumMod val="40000"/>
+                        <a:lumOff val="60000"/>
+                      </a:schemeClr>
+                    </a:solidFill>
+                  </a:tcPr>
+                </a:tc>
+                <a:extLst>
+                  <a:ext uri="{0D108BD9-81ED-4DB2-BD59-A6C34878D82A}">
+                    <a16:rowId xmlns:a16="http://schemas.microsoft.com/office/drawing/2014/main" val="3513791863"/>
+                  </a:ext>
+                </a:extLst>
+              </a:tr>
+              <a:tr h="888937">
+                <a:tc>
+                  <a:txBody>
+                    <a:bodyPr/>
+                    <a:lstStyle/>
+                    <a:p>
+                      <a:pPr algn="l"/>
+                      <a:r>
+                        <a:rPr lang="en-US" sz="1200" dirty="0" err="1">
+                          <a:latin typeface="Times" pitchFamily="2" charset="0"/>
+                        </a:rPr>
+                        <a:t>shipping_add</a:t>
+                      </a:r>
+                      <a:endParaRPr lang="en-US" sz="1200" dirty="0">
+                        <a:latin typeface="Times" pitchFamily="2" charset="0"/>
+                      </a:endParaRPr>
+                    </a:p>
+                    <a:p>
+                      <a:pPr algn="l"/>
+                      <a:r>
+                        <a:rPr lang="en-US" sz="1200" dirty="0" err="1">
+                          <a:latin typeface="Times" pitchFamily="2" charset="0"/>
+                        </a:rPr>
+                        <a:t>billing_add</a:t>
+                      </a:r>
+                      <a:endParaRPr lang="en-US" sz="1200" dirty="0">
+                        <a:latin typeface="Times" pitchFamily="2" charset="0"/>
+                      </a:endParaRPr>
+                    </a:p>
+                  </a:txBody>
+                  <a:tcPr>
+                    <a:lnL w="9525" cap="flat" cmpd="sng" algn="ctr">
+                      <a:solidFill>
+                        <a:schemeClr val="tx1"/>
+                      </a:solidFill>
+                      <a:prstDash val="solid"/>
+                      <a:round/>
+                      <a:headEnd type="none" w="med" len="med"/>
+                      <a:tailEnd type="none" w="med" len="med"/>
+                    </a:lnL>
+                    <a:lnR w="9525" cap="flat" cmpd="sng" algn="ctr">
+                      <a:solidFill>
+                        <a:schemeClr val="tx1"/>
+                      </a:solidFill>
+                      <a:prstDash val="solid"/>
+                      <a:round/>
+                      <a:headEnd type="none" w="med" len="med"/>
+                      <a:tailEnd type="none" w="med" len="med"/>
+                    </a:lnR>
+                    <a:lnT w="9525" cap="flat" cmpd="sng" algn="ctr">
+                      <a:solidFill>
+                        <a:schemeClr val="tx1"/>
+                      </a:solidFill>
+                      <a:prstDash val="solid"/>
+                      <a:round/>
+                      <a:headEnd type="none" w="med" len="med"/>
+                      <a:tailEnd type="none" w="med" len="med"/>
+                    </a:lnT>
+                    <a:lnB w="9525" cap="flat" cmpd="sng" algn="ctr">
+                      <a:solidFill>
+                        <a:schemeClr val="tx1"/>
+                      </a:solidFill>
+                      <a:prstDash val="solid"/>
+                      <a:round/>
+                      <a:headEnd type="none" w="med" len="med"/>
+                      <a:tailEnd type="none" w="med" len="med"/>
+                    </a:lnB>
+                    <a:solidFill>
+                      <a:schemeClr val="bg1">
+                        <a:alpha val="20000"/>
+                      </a:schemeClr>
+                    </a:solidFill>
+                  </a:tcPr>
+                </a:tc>
+                <a:extLst>
+                  <a:ext uri="{0D108BD9-81ED-4DB2-BD59-A6C34878D82A}">
+                    <a16:rowId xmlns:a16="http://schemas.microsoft.com/office/drawing/2014/main" val="2009406627"/>
+                  </a:ext>
+                </a:extLst>
+              </a:tr>
+            </a:tbl>
+          </a:graphicData>
+        </a:graphic>
+      </p:graphicFrame>
+      <p:cxnSp>
+        <p:nvCxnSpPr>
+          <p:cNvPr id="142" name="Straight Arrow Connector 141">
+            <a:extLst>
+              <a:ext uri="{FF2B5EF4-FFF2-40B4-BE49-F238E27FC236}">
+                <a16:creationId xmlns:a16="http://schemas.microsoft.com/office/drawing/2014/main" id="{5D48E8A7-2227-E64A-B1B9-A47EA8A6EE74}"/>
+              </a:ext>
+            </a:extLst>
+          </p:cNvPr>
+          <p:cNvCxnSpPr>
+            <a:cxnSpLocks/>
+            <a:stCxn id="139" idx="3"/>
+            <a:endCxn id="4" idx="2"/>
+          </p:cNvCxnSpPr>
+          <p:nvPr/>
+        </p:nvCxnSpPr>
+        <p:spPr>
+          <a:xfrm flipV="1">
+            <a:off x="4547396" y="1199403"/>
+            <a:ext cx="466785" cy="879756"/>
+          </a:xfrm>
+          <a:prstGeom prst="straightConnector1">
+            <a:avLst/>
+          </a:prstGeom>
+          <a:ln cap="flat" cmpd="sng">
+            <a:solidFill>
+              <a:schemeClr val="accent1"/>
+            </a:solidFill>
+            <a:prstDash val="solid"/>
+            <a:miter lim="800000"/>
+            <a:tailEnd type="triangle" w="lg" len="med"/>
+          </a:ln>
+        </p:spPr>
+        <p:style>
+          <a:lnRef idx="1">
+            <a:schemeClr val="accent1"/>
+          </a:lnRef>
+          <a:fillRef idx="0">
+            <a:schemeClr val="accent1"/>
+          </a:fillRef>
+          <a:effectRef idx="0">
+            <a:schemeClr val="accent1"/>
+          </a:effectRef>
+          <a:fontRef idx="minor">
+            <a:schemeClr val="tx1"/>
+          </a:fontRef>
+        </p:style>
+      </p:cxnSp>
+      <p:sp>
+        <p:nvSpPr>
+          <p:cNvPr id="154" name="TextBox 153">
+            <a:extLst>
+              <a:ext uri="{FF2B5EF4-FFF2-40B4-BE49-F238E27FC236}">
+                <a16:creationId xmlns:a16="http://schemas.microsoft.com/office/drawing/2014/main" id="{49F9C899-F7BB-9047-8DD9-1D05426CE878}"/>
+              </a:ext>
+            </a:extLst>
+          </p:cNvPr>
+          <p:cNvSpPr txBox="1"/>
+          <p:nvPr/>
+        </p:nvSpPr>
+        <p:spPr>
+          <a:xfrm rot="5400000">
+            <a:off x="4428136" y="1701857"/>
+            <a:ext cx="1172089" cy="461665"/>
+          </a:xfrm>
+          <a:prstGeom prst="rect">
+            <a:avLst/>
+          </a:prstGeom>
+          <a:noFill/>
+        </p:spPr>
+        <p:txBody>
+          <a:bodyPr wrap="square" rtlCol="0">
+            <a:spAutoFit/>
+          </a:bodyPr>
+          <a:lstStyle/>
+          <a:p>
+            <a:pPr algn="ctr"/>
+            <a:r>
+              <a:rPr lang="en-US" sz="800" dirty="0">
+                <a:latin typeface="Times" pitchFamily="2" charset="0"/>
+              </a:rPr>
+              <a:t>overlapping</a:t>
+            </a:r>
+          </a:p>
+          <a:p>
+            <a:pPr algn="ctr"/>
+            <a:r>
+              <a:rPr lang="en-US" sz="800" dirty="0">
+                <a:latin typeface="Times" pitchFamily="2" charset="0"/>
+              </a:rPr>
+              <a:t>idk how to make </a:t>
+            </a:r>
+          </a:p>
+          <a:p>
+            <a:pPr algn="ctr"/>
+            <a:r>
+              <a:rPr lang="en-US" sz="800" dirty="0">
+                <a:latin typeface="Times" pitchFamily="2" charset="0"/>
+              </a:rPr>
+              <a:t>open arrow heads...</a:t>
+            </a:r>
+          </a:p>
+        </p:txBody>
+      </p:sp>
+      <p:sp>
+        <p:nvSpPr>
+          <p:cNvPr id="156" name="Diamond 155">
+            <a:extLst>
+              <a:ext uri="{FF2B5EF4-FFF2-40B4-BE49-F238E27FC236}">
+                <a16:creationId xmlns:a16="http://schemas.microsoft.com/office/drawing/2014/main" id="{6D3B7FBF-C36C-8B4D-9C3D-F2FC9F6B3E89}"/>
+              </a:ext>
+            </a:extLst>
+          </p:cNvPr>
+          <p:cNvSpPr/>
+          <p:nvPr/>
+        </p:nvSpPr>
+        <p:spPr>
+          <a:xfrm>
+            <a:off x="6911344" y="1684438"/>
+            <a:ext cx="1885100" cy="785258"/>
+          </a:xfrm>
+          <a:prstGeom prst="diamond">
+            <a:avLst/>
+          </a:prstGeom>
+          <a:solidFill>
+            <a:schemeClr val="accent5">
+              <a:lumMod val="40000"/>
+              <a:lumOff val="60000"/>
+            </a:schemeClr>
+          </a:solidFill>
+        </p:spPr>
+        <p:style>
+          <a:lnRef idx="2">
+            <a:schemeClr val="accent1">
+              <a:shade val="50000"/>
+            </a:schemeClr>
+          </a:lnRef>
+          <a:fillRef idx="1">
+            <a:schemeClr val="accent1"/>
+          </a:fillRef>
+          <a:effectRef idx="0">
+            <a:schemeClr val="accent1"/>
+          </a:effectRef>
+          <a:fontRef idx="minor">
+            <a:schemeClr val="lt1"/>
+          </a:fontRef>
+        </p:style>
+        <p:txBody>
+          <a:bodyPr rtlCol="0" anchor="ctr"/>
+          <a:lstStyle/>
+          <a:p>
+            <a:pPr algn="ctr"/>
+            <a:r>
+              <a:rPr lang="en-US" sz="1200" i="1" dirty="0" err="1">
+                <a:solidFill>
+                  <a:sysClr val="windowText" lastClr="000000"/>
+                </a:solidFill>
+                <a:latin typeface="Times" pitchFamily="2" charset="0"/>
+              </a:rPr>
+              <a:t>lib_manage</a:t>
+            </a:r>
+            <a:endParaRPr lang="en-US" sz="1200" i="1" dirty="0">
+              <a:solidFill>
+                <a:sysClr val="windowText" lastClr="000000"/>
+              </a:solidFill>
+              <a:latin typeface="Times" pitchFamily="2" charset="0"/>
+            </a:endParaRPr>
+          </a:p>
+        </p:txBody>
+      </p:sp>
+      <p:cxnSp>
+        <p:nvCxnSpPr>
+          <p:cNvPr id="158" name="Straight Connector 157">
+            <a:extLst>
+              <a:ext uri="{FF2B5EF4-FFF2-40B4-BE49-F238E27FC236}">
+                <a16:creationId xmlns:a16="http://schemas.microsoft.com/office/drawing/2014/main" id="{297C8A96-174D-8747-8E55-D89E3B22E355}"/>
+              </a:ext>
+            </a:extLst>
+          </p:cNvPr>
+          <p:cNvCxnSpPr>
+            <a:cxnSpLocks/>
+            <a:stCxn id="156" idx="1"/>
+            <a:endCxn id="129" idx="3"/>
+          </p:cNvCxnSpPr>
+          <p:nvPr/>
+        </p:nvCxnSpPr>
+        <p:spPr>
+          <a:xfrm flipH="1" flipV="1">
+            <a:off x="6587075" y="2077066"/>
+            <a:ext cx="324269" cy="1"/>
+          </a:xfrm>
+          <a:prstGeom prst="line">
+            <a:avLst/>
+          </a:prstGeom>
+        </p:spPr>
+        <p:style>
+          <a:lnRef idx="1">
+            <a:schemeClr val="accent1"/>
+          </a:lnRef>
+          <a:fillRef idx="0">
+            <a:schemeClr val="accent1"/>
+          </a:fillRef>
+          <a:effectRef idx="0">
+            <a:schemeClr val="accent1"/>
+          </a:effectRef>
+          <a:fontRef idx="minor">
+            <a:schemeClr val="tx1"/>
+          </a:fontRef>
+        </p:style>
+      </p:cxnSp>
+      <p:cxnSp>
+        <p:nvCxnSpPr>
+          <p:cNvPr id="160" name="Straight Connector 159">
+            <a:extLst>
+              <a:ext uri="{FF2B5EF4-FFF2-40B4-BE49-F238E27FC236}">
+                <a16:creationId xmlns:a16="http://schemas.microsoft.com/office/drawing/2014/main" id="{D71F6583-AE7C-BF48-8F76-42E9DA81F2B9}"/>
+              </a:ext>
+            </a:extLst>
+          </p:cNvPr>
+          <p:cNvCxnSpPr>
+            <a:cxnSpLocks/>
+            <a:stCxn id="156" idx="2"/>
+            <a:endCxn id="11" idx="0"/>
+          </p:cNvCxnSpPr>
+          <p:nvPr/>
+        </p:nvCxnSpPr>
+        <p:spPr>
+          <a:xfrm>
+            <a:off x="7853894" y="2469696"/>
+            <a:ext cx="0" cy="194972"/>
+          </a:xfrm>
+          <a:prstGeom prst="line">
+            <a:avLst/>
+          </a:prstGeom>
+        </p:spPr>
+        <p:style>
+          <a:lnRef idx="1">
+            <a:schemeClr val="accent1"/>
+          </a:lnRef>
+          <a:fillRef idx="0">
+            <a:schemeClr val="accent1"/>
+          </a:fillRef>
+          <a:effectRef idx="0">
+            <a:schemeClr val="accent1"/>
+          </a:effectRef>
+          <a:fontRef idx="minor">
+            <a:schemeClr val="tx1"/>
+          </a:fontRef>
+        </p:style>
+      </p:cxnSp>
     </p:spTree>
     <p:extLst>
       <p:ext uri="{BB962C8B-B14F-4D97-AF65-F5344CB8AC3E}">

--- a/ER Diagram - Project - COMP3005.pptx
+++ b/ER Diagram - Project - COMP3005.pptx
@@ -223,7 +223,7 @@
           <a:p>
             <a:fld id="{4EEA96E3-5376-2D42-97CA-66A886050071}" type="datetimeFigureOut">
               <a:rPr lang="en-US" smtClean="0"/>
-              <a:t>3/3/20</a:t>
+              <a:t>3/4/2020</a:t>
             </a:fld>
             <a:endParaRPr lang="en-US"/>
           </a:p>
@@ -465,7 +465,7 @@
           <a:p>
             <a:fld id="{3BD378E5-F4D9-824D-8BC6-66DDB52D5CFC}" type="datetimeFigureOut">
               <a:rPr lang="en-US" smtClean="0"/>
-              <a:t>3/3/20</a:t>
+              <a:t>3/4/2020</a:t>
             </a:fld>
             <a:endParaRPr lang="en-US"/>
           </a:p>
@@ -663,7 +663,7 @@
           <a:p>
             <a:fld id="{3BD378E5-F4D9-824D-8BC6-66DDB52D5CFC}" type="datetimeFigureOut">
               <a:rPr lang="en-US" smtClean="0"/>
-              <a:t>3/3/20</a:t>
+              <a:t>3/4/2020</a:t>
             </a:fld>
             <a:endParaRPr lang="en-US"/>
           </a:p>
@@ -871,7 +871,7 @@
           <a:p>
             <a:fld id="{3BD378E5-F4D9-824D-8BC6-66DDB52D5CFC}" type="datetimeFigureOut">
               <a:rPr lang="en-US" smtClean="0"/>
-              <a:t>3/3/20</a:t>
+              <a:t>3/4/2020</a:t>
             </a:fld>
             <a:endParaRPr lang="en-US"/>
           </a:p>
@@ -1069,7 +1069,7 @@
           <a:p>
             <a:fld id="{3BD378E5-F4D9-824D-8BC6-66DDB52D5CFC}" type="datetimeFigureOut">
               <a:rPr lang="en-US" smtClean="0"/>
-              <a:t>3/3/20</a:t>
+              <a:t>3/4/2020</a:t>
             </a:fld>
             <a:endParaRPr lang="en-US"/>
           </a:p>
@@ -1344,7 +1344,7 @@
           <a:p>
             <a:fld id="{3BD378E5-F4D9-824D-8BC6-66DDB52D5CFC}" type="datetimeFigureOut">
               <a:rPr lang="en-US" smtClean="0"/>
-              <a:t>3/3/20</a:t>
+              <a:t>3/4/2020</a:t>
             </a:fld>
             <a:endParaRPr lang="en-US"/>
           </a:p>
@@ -1609,7 +1609,7 @@
           <a:p>
             <a:fld id="{3BD378E5-F4D9-824D-8BC6-66DDB52D5CFC}" type="datetimeFigureOut">
               <a:rPr lang="en-US" smtClean="0"/>
-              <a:t>3/3/20</a:t>
+              <a:t>3/4/2020</a:t>
             </a:fld>
             <a:endParaRPr lang="en-US"/>
           </a:p>
@@ -2021,7 +2021,7 @@
           <a:p>
             <a:fld id="{3BD378E5-F4D9-824D-8BC6-66DDB52D5CFC}" type="datetimeFigureOut">
               <a:rPr lang="en-US" smtClean="0"/>
-              <a:t>3/3/20</a:t>
+              <a:t>3/4/2020</a:t>
             </a:fld>
             <a:endParaRPr lang="en-US"/>
           </a:p>
@@ -2162,7 +2162,7 @@
           <a:p>
             <a:fld id="{3BD378E5-F4D9-824D-8BC6-66DDB52D5CFC}" type="datetimeFigureOut">
               <a:rPr lang="en-US" smtClean="0"/>
-              <a:t>3/3/20</a:t>
+              <a:t>3/4/2020</a:t>
             </a:fld>
             <a:endParaRPr lang="en-US"/>
           </a:p>
@@ -2275,7 +2275,7 @@
           <a:p>
             <a:fld id="{3BD378E5-F4D9-824D-8BC6-66DDB52D5CFC}" type="datetimeFigureOut">
               <a:rPr lang="en-US" smtClean="0"/>
-              <a:t>3/3/20</a:t>
+              <a:t>3/4/2020</a:t>
             </a:fld>
             <a:endParaRPr lang="en-US"/>
           </a:p>
@@ -2586,7 +2586,7 @@
           <a:p>
             <a:fld id="{3BD378E5-F4D9-824D-8BC6-66DDB52D5CFC}" type="datetimeFigureOut">
               <a:rPr lang="en-US" smtClean="0"/>
-              <a:t>3/3/20</a:t>
+              <a:t>3/4/2020</a:t>
             </a:fld>
             <a:endParaRPr lang="en-US"/>
           </a:p>
@@ -2874,7 +2874,7 @@
           <a:p>
             <a:fld id="{3BD378E5-F4D9-824D-8BC6-66DDB52D5CFC}" type="datetimeFigureOut">
               <a:rPr lang="en-US" smtClean="0"/>
-              <a:t>3/3/20</a:t>
+              <a:t>3/4/2020</a:t>
             </a:fld>
             <a:endParaRPr lang="en-US"/>
           </a:p>
@@ -3115,7 +3115,7 @@
           <a:p>
             <a:fld id="{3BD378E5-F4D9-824D-8BC6-66DDB52D5CFC}" type="datetimeFigureOut">
               <a:rPr lang="en-US" smtClean="0"/>
-              <a:t>3/3/20</a:t>
+              <a:t>3/4/2020</a:t>
             </a:fld>
             <a:endParaRPr lang="en-US"/>
           </a:p>
@@ -6026,54 +6026,6 @@
           </a:graphicData>
         </a:graphic>
       </p:graphicFrame>
-      <p:cxnSp>
-        <p:nvCxnSpPr>
-          <p:cNvPr id="133" name="Straight Arrow Connector 132">
-            <a:extLst>
-              <a:ext uri="{FF2B5EF4-FFF2-40B4-BE49-F238E27FC236}">
-                <a16:creationId xmlns:a16="http://schemas.microsoft.com/office/drawing/2014/main" id="{C45E9ECF-9656-B742-BDF2-A6E0D51788E5}"/>
-              </a:ext>
-            </a:extLst>
-          </p:cNvPr>
-          <p:cNvCxnSpPr>
-            <a:cxnSpLocks/>
-            <a:stCxn id="129" idx="1"/>
-            <a:endCxn id="4" idx="2"/>
-          </p:cNvCxnSpPr>
-          <p:nvPr/>
-        </p:nvCxnSpPr>
-        <p:spPr>
-          <a:xfrm flipH="1" flipV="1">
-            <a:off x="5014181" y="1199403"/>
-            <a:ext cx="362106" cy="877663"/>
-          </a:xfrm>
-          <a:prstGeom prst="straightConnector1">
-            <a:avLst/>
-          </a:prstGeom>
-          <a:ln cap="flat" cmpd="sng">
-            <a:solidFill>
-              <a:schemeClr val="accent1"/>
-            </a:solidFill>
-            <a:prstDash val="solid"/>
-            <a:miter lim="800000"/>
-            <a:tailEnd type="triangle" w="lg" len="med"/>
-          </a:ln>
-        </p:spPr>
-        <p:style>
-          <a:lnRef idx="1">
-            <a:schemeClr val="accent1"/>
-          </a:lnRef>
-          <a:fillRef idx="0">
-            <a:schemeClr val="accent1"/>
-          </a:fillRef>
-          <a:effectRef idx="0">
-            <a:schemeClr val="accent1"/>
-          </a:effectRef>
-          <a:fontRef idx="minor">
-            <a:schemeClr val="tx1"/>
-          </a:fontRef>
-        </p:style>
-      </p:cxnSp>
       <p:graphicFrame>
         <p:nvGraphicFramePr>
           <p:cNvPr id="139" name="Table 138">
@@ -6263,110 +6215,6 @@
           </a:graphicData>
         </a:graphic>
       </p:graphicFrame>
-      <p:cxnSp>
-        <p:nvCxnSpPr>
-          <p:cNvPr id="142" name="Straight Arrow Connector 141">
-            <a:extLst>
-              <a:ext uri="{FF2B5EF4-FFF2-40B4-BE49-F238E27FC236}">
-                <a16:creationId xmlns:a16="http://schemas.microsoft.com/office/drawing/2014/main" id="{5D48E8A7-2227-E64A-B1B9-A47EA8A6EE74}"/>
-              </a:ext>
-            </a:extLst>
-          </p:cNvPr>
-          <p:cNvCxnSpPr>
-            <a:cxnSpLocks/>
-            <a:stCxn id="139" idx="3"/>
-            <a:endCxn id="4" idx="2"/>
-          </p:cNvCxnSpPr>
-          <p:nvPr/>
-        </p:nvCxnSpPr>
-        <p:spPr>
-          <a:xfrm flipV="1">
-            <a:off x="4547396" y="1199403"/>
-            <a:ext cx="466785" cy="879756"/>
-          </a:xfrm>
-          <a:prstGeom prst="straightConnector1">
-            <a:avLst/>
-          </a:prstGeom>
-          <a:ln cap="flat" cmpd="sng">
-            <a:solidFill>
-              <a:schemeClr val="accent1"/>
-            </a:solidFill>
-            <a:prstDash val="solid"/>
-            <a:miter lim="800000"/>
-            <a:tailEnd type="triangle" w="lg" len="med"/>
-          </a:ln>
-        </p:spPr>
-        <p:style>
-          <a:lnRef idx="1">
-            <a:schemeClr val="accent1"/>
-          </a:lnRef>
-          <a:fillRef idx="0">
-            <a:schemeClr val="accent1"/>
-          </a:fillRef>
-          <a:effectRef idx="0">
-            <a:schemeClr val="accent1"/>
-          </a:effectRef>
-          <a:fontRef idx="minor">
-            <a:schemeClr val="tx1"/>
-          </a:fontRef>
-        </p:style>
-      </p:cxnSp>
-      <p:sp>
-        <p:nvSpPr>
-          <p:cNvPr id="154" name="TextBox 153">
-            <a:extLst>
-              <a:ext uri="{FF2B5EF4-FFF2-40B4-BE49-F238E27FC236}">
-                <a16:creationId xmlns:a16="http://schemas.microsoft.com/office/drawing/2014/main" id="{49F9C899-F7BB-9047-8DD9-1D05426CE878}"/>
-              </a:ext>
-            </a:extLst>
-          </p:cNvPr>
-          <p:cNvSpPr txBox="1"/>
-          <p:nvPr/>
-        </p:nvSpPr>
-        <p:spPr>
-          <a:xfrm rot="5400000">
-            <a:off x="4428136" y="1701857"/>
-            <a:ext cx="1172089" cy="461665"/>
-          </a:xfrm>
-          <a:prstGeom prst="rect">
-            <a:avLst/>
-          </a:prstGeom>
-          <a:noFill/>
-        </p:spPr>
-        <p:txBody>
-          <a:bodyPr wrap="square" rtlCol="0">
-            <a:spAutoFit/>
-          </a:bodyPr>
-          <a:lstStyle/>
-          <a:p>
-            <a:pPr algn="ctr"/>
-            <a:r>
-              <a:rPr lang="en-US" sz="800" dirty="0">
-                <a:latin typeface="Times" pitchFamily="2" charset="0"/>
-              </a:rPr>
-              <a:t>overlapping</a:t>
-            </a:r>
-          </a:p>
-          <a:p>
-            <a:pPr algn="ctr"/>
-            <a:r>
-              <a:rPr lang="en-US" sz="800" dirty="0">
-                <a:latin typeface="Times" pitchFamily="2" charset="0"/>
-              </a:rPr>
-              <a:t>idk how to make </a:t>
-            </a:r>
-          </a:p>
-          <a:p>
-            <a:pPr algn="ctr"/>
-            <a:r>
-              <a:rPr lang="en-US" sz="800" dirty="0">
-                <a:latin typeface="Times" pitchFamily="2" charset="0"/>
-              </a:rPr>
-              <a:t>open arrow heads...</a:t>
-            </a:r>
-          </a:p>
-        </p:txBody>
-      </p:sp>
       <p:sp>
         <p:nvSpPr>
           <p:cNvPr id="156" name="Diamond 155">
@@ -6457,6 +6305,11 @@
           <a:prstGeom prst="line">
             <a:avLst/>
           </a:prstGeom>
+          <a:ln>
+            <a:solidFill>
+              <a:schemeClr val="accent1"/>
+            </a:solidFill>
+          </a:ln>
         </p:spPr>
         <p:style>
           <a:lnRef idx="1">
@@ -6513,6 +6366,240 @@
           </a:fontRef>
         </p:style>
       </p:cxnSp>
+      <p:grpSp>
+        <p:nvGrpSpPr>
+          <p:cNvPr id="22" name="Group 21">
+            <a:extLst>
+              <a:ext uri="{FF2B5EF4-FFF2-40B4-BE49-F238E27FC236}">
+                <a16:creationId xmlns:a16="http://schemas.microsoft.com/office/drawing/2014/main" id="{AA0EB1B5-CA51-4041-BC0F-C09C1A901108}"/>
+              </a:ext>
+            </a:extLst>
+          </p:cNvPr>
+          <p:cNvGrpSpPr/>
+          <p:nvPr/>
+        </p:nvGrpSpPr>
+        <p:grpSpPr>
+          <a:xfrm rot="20530362">
+            <a:off x="5187293" y="1193179"/>
+            <a:ext cx="71795" cy="979696"/>
+            <a:chOff x="4991321" y="1224855"/>
+            <a:chExt cx="45719" cy="852211"/>
+          </a:xfrm>
+        </p:grpSpPr>
+        <p:sp>
+          <p:nvSpPr>
+            <p:cNvPr id="14" name="Isosceles Triangle 13">
+              <a:extLst>
+                <a:ext uri="{FF2B5EF4-FFF2-40B4-BE49-F238E27FC236}">
+                  <a16:creationId xmlns:a16="http://schemas.microsoft.com/office/drawing/2014/main" id="{DEBCB226-DBB7-4515-A5C3-2693324E28F4}"/>
+                </a:ext>
+              </a:extLst>
+            </p:cNvPr>
+            <p:cNvSpPr/>
+            <p:nvPr/>
+          </p:nvSpPr>
+          <p:spPr>
+            <a:xfrm>
+              <a:off x="4991321" y="1224855"/>
+              <a:ext cx="45719" cy="81710"/>
+            </a:xfrm>
+            <a:prstGeom prst="triangle">
+              <a:avLst/>
+            </a:prstGeom>
+            <a:noFill/>
+            <a:ln>
+              <a:solidFill>
+                <a:schemeClr val="accent1"/>
+              </a:solidFill>
+            </a:ln>
+          </p:spPr>
+          <p:style>
+            <a:lnRef idx="2">
+              <a:schemeClr val="accent1">
+                <a:shade val="50000"/>
+              </a:schemeClr>
+            </a:lnRef>
+            <a:fillRef idx="1">
+              <a:schemeClr val="accent1"/>
+            </a:fillRef>
+            <a:effectRef idx="0">
+              <a:schemeClr val="accent1"/>
+            </a:effectRef>
+            <a:fontRef idx="minor">
+              <a:schemeClr val="lt1"/>
+            </a:fontRef>
+          </p:style>
+          <p:txBody>
+            <a:bodyPr rtlCol="0" anchor="ctr"/>
+            <a:lstStyle/>
+            <a:p>
+              <a:pPr algn="ctr"/>
+              <a:endParaRPr lang="en-CA"/>
+            </a:p>
+          </p:txBody>
+        </p:sp>
+        <p:cxnSp>
+          <p:nvCxnSpPr>
+            <p:cNvPr id="16" name="Straight Connector 15">
+              <a:extLst>
+                <a:ext uri="{FF2B5EF4-FFF2-40B4-BE49-F238E27FC236}">
+                  <a16:creationId xmlns:a16="http://schemas.microsoft.com/office/drawing/2014/main" id="{5BA0E397-95E0-453F-81FD-9234FDA169A2}"/>
+                </a:ext>
+              </a:extLst>
+            </p:cNvPr>
+            <p:cNvCxnSpPr>
+              <a:cxnSpLocks/>
+              <a:stCxn id="14" idx="3"/>
+            </p:cNvCxnSpPr>
+            <p:nvPr/>
+          </p:nvCxnSpPr>
+          <p:spPr>
+            <a:xfrm>
+              <a:off x="5014181" y="1306565"/>
+              <a:ext cx="0" cy="770501"/>
+            </a:xfrm>
+            <a:prstGeom prst="line">
+              <a:avLst/>
+            </a:prstGeom>
+            <a:ln>
+              <a:solidFill>
+                <a:schemeClr val="accent1"/>
+              </a:solidFill>
+            </a:ln>
+          </p:spPr>
+          <p:style>
+            <a:lnRef idx="1">
+              <a:schemeClr val="dk1"/>
+            </a:lnRef>
+            <a:fillRef idx="0">
+              <a:schemeClr val="dk1"/>
+            </a:fillRef>
+            <a:effectRef idx="0">
+              <a:schemeClr val="dk1"/>
+            </a:effectRef>
+            <a:fontRef idx="minor">
+              <a:schemeClr val="tx1"/>
+            </a:fontRef>
+          </p:style>
+        </p:cxnSp>
+      </p:grpSp>
+      <p:grpSp>
+        <p:nvGrpSpPr>
+          <p:cNvPr id="51" name="Group 50">
+            <a:extLst>
+              <a:ext uri="{FF2B5EF4-FFF2-40B4-BE49-F238E27FC236}">
+                <a16:creationId xmlns:a16="http://schemas.microsoft.com/office/drawing/2014/main" id="{D3FD0635-307B-4743-A417-960FD15E0507}"/>
+              </a:ext>
+            </a:extLst>
+          </p:cNvPr>
+          <p:cNvGrpSpPr/>
+          <p:nvPr/>
+        </p:nvGrpSpPr>
+        <p:grpSpPr>
+          <a:xfrm rot="1230283">
+            <a:off x="4686439" y="1188119"/>
+            <a:ext cx="71795" cy="979696"/>
+            <a:chOff x="4991321" y="1224855"/>
+            <a:chExt cx="45719" cy="852211"/>
+          </a:xfrm>
+        </p:grpSpPr>
+        <p:sp>
+          <p:nvSpPr>
+            <p:cNvPr id="52" name="Isosceles Triangle 51">
+              <a:extLst>
+                <a:ext uri="{FF2B5EF4-FFF2-40B4-BE49-F238E27FC236}">
+                  <a16:creationId xmlns:a16="http://schemas.microsoft.com/office/drawing/2014/main" id="{7098AA80-C5C6-4810-BD8F-D6E5147319C8}"/>
+                </a:ext>
+              </a:extLst>
+            </p:cNvPr>
+            <p:cNvSpPr/>
+            <p:nvPr/>
+          </p:nvSpPr>
+          <p:spPr>
+            <a:xfrm>
+              <a:off x="4991321" y="1224855"/>
+              <a:ext cx="45719" cy="81710"/>
+            </a:xfrm>
+            <a:prstGeom prst="triangle">
+              <a:avLst/>
+            </a:prstGeom>
+            <a:noFill/>
+            <a:ln>
+              <a:solidFill>
+                <a:schemeClr val="accent1"/>
+              </a:solidFill>
+            </a:ln>
+          </p:spPr>
+          <p:style>
+            <a:lnRef idx="2">
+              <a:schemeClr val="accent1">
+                <a:shade val="50000"/>
+              </a:schemeClr>
+            </a:lnRef>
+            <a:fillRef idx="1">
+              <a:schemeClr val="accent1"/>
+            </a:fillRef>
+            <a:effectRef idx="0">
+              <a:schemeClr val="accent1"/>
+            </a:effectRef>
+            <a:fontRef idx="minor">
+              <a:schemeClr val="lt1"/>
+            </a:fontRef>
+          </p:style>
+          <p:txBody>
+            <a:bodyPr rtlCol="0" anchor="ctr"/>
+            <a:lstStyle/>
+            <a:p>
+              <a:pPr algn="ctr"/>
+              <a:endParaRPr lang="en-CA"/>
+            </a:p>
+          </p:txBody>
+        </p:sp>
+        <p:cxnSp>
+          <p:nvCxnSpPr>
+            <p:cNvPr id="53" name="Straight Connector 52">
+              <a:extLst>
+                <a:ext uri="{FF2B5EF4-FFF2-40B4-BE49-F238E27FC236}">
+                  <a16:creationId xmlns:a16="http://schemas.microsoft.com/office/drawing/2014/main" id="{63DB8FD1-E01B-4F13-AE2A-28C951B7CE39}"/>
+                </a:ext>
+              </a:extLst>
+            </p:cNvPr>
+            <p:cNvCxnSpPr>
+              <a:cxnSpLocks/>
+              <a:stCxn id="52" idx="3"/>
+            </p:cNvCxnSpPr>
+            <p:nvPr/>
+          </p:nvCxnSpPr>
+          <p:spPr>
+            <a:xfrm>
+              <a:off x="5014181" y="1306565"/>
+              <a:ext cx="0" cy="770501"/>
+            </a:xfrm>
+            <a:prstGeom prst="line">
+              <a:avLst/>
+            </a:prstGeom>
+            <a:ln>
+              <a:solidFill>
+                <a:schemeClr val="accent1"/>
+              </a:solidFill>
+            </a:ln>
+          </p:spPr>
+          <p:style>
+            <a:lnRef idx="1">
+              <a:schemeClr val="dk1"/>
+            </a:lnRef>
+            <a:fillRef idx="0">
+              <a:schemeClr val="dk1"/>
+            </a:fillRef>
+            <a:effectRef idx="0">
+              <a:schemeClr val="dk1"/>
+            </a:effectRef>
+            <a:fontRef idx="minor">
+              <a:schemeClr val="tx1"/>
+            </a:fontRef>
+          </p:style>
+        </p:cxnSp>
+      </p:grpSp>
     </p:spTree>
     <p:extLst>
       <p:ext uri="{BB962C8B-B14F-4D97-AF65-F5344CB8AC3E}">

--- a/ER Diagram - Project - COMP3005.pptx
+++ b/ER Diagram - Project - COMP3005.pptx
@@ -223,7 +223,7 @@
           <a:p>
             <a:fld id="{4EEA96E3-5376-2D42-97CA-66A886050071}" type="datetimeFigureOut">
               <a:rPr lang="en-US" smtClean="0"/>
-              <a:t>3/4/2020</a:t>
+              <a:t>3/4/20</a:t>
             </a:fld>
             <a:endParaRPr lang="en-US"/>
           </a:p>
@@ -465,7 +465,7 @@
           <a:p>
             <a:fld id="{3BD378E5-F4D9-824D-8BC6-66DDB52D5CFC}" type="datetimeFigureOut">
               <a:rPr lang="en-US" smtClean="0"/>
-              <a:t>3/4/2020</a:t>
+              <a:t>3/4/20</a:t>
             </a:fld>
             <a:endParaRPr lang="en-US"/>
           </a:p>
@@ -663,7 +663,7 @@
           <a:p>
             <a:fld id="{3BD378E5-F4D9-824D-8BC6-66DDB52D5CFC}" type="datetimeFigureOut">
               <a:rPr lang="en-US" smtClean="0"/>
-              <a:t>3/4/2020</a:t>
+              <a:t>3/4/20</a:t>
             </a:fld>
             <a:endParaRPr lang="en-US"/>
           </a:p>
@@ -871,7 +871,7 @@
           <a:p>
             <a:fld id="{3BD378E5-F4D9-824D-8BC6-66DDB52D5CFC}" type="datetimeFigureOut">
               <a:rPr lang="en-US" smtClean="0"/>
-              <a:t>3/4/2020</a:t>
+              <a:t>3/4/20</a:t>
             </a:fld>
             <a:endParaRPr lang="en-US"/>
           </a:p>
@@ -1069,7 +1069,7 @@
           <a:p>
             <a:fld id="{3BD378E5-F4D9-824D-8BC6-66DDB52D5CFC}" type="datetimeFigureOut">
               <a:rPr lang="en-US" smtClean="0"/>
-              <a:t>3/4/2020</a:t>
+              <a:t>3/4/20</a:t>
             </a:fld>
             <a:endParaRPr lang="en-US"/>
           </a:p>
@@ -1344,7 +1344,7 @@
           <a:p>
             <a:fld id="{3BD378E5-F4D9-824D-8BC6-66DDB52D5CFC}" type="datetimeFigureOut">
               <a:rPr lang="en-US" smtClean="0"/>
-              <a:t>3/4/2020</a:t>
+              <a:t>3/4/20</a:t>
             </a:fld>
             <a:endParaRPr lang="en-US"/>
           </a:p>
@@ -1609,7 +1609,7 @@
           <a:p>
             <a:fld id="{3BD378E5-F4D9-824D-8BC6-66DDB52D5CFC}" type="datetimeFigureOut">
               <a:rPr lang="en-US" smtClean="0"/>
-              <a:t>3/4/2020</a:t>
+              <a:t>3/4/20</a:t>
             </a:fld>
             <a:endParaRPr lang="en-US"/>
           </a:p>
@@ -2021,7 +2021,7 @@
           <a:p>
             <a:fld id="{3BD378E5-F4D9-824D-8BC6-66DDB52D5CFC}" type="datetimeFigureOut">
               <a:rPr lang="en-US" smtClean="0"/>
-              <a:t>3/4/2020</a:t>
+              <a:t>3/4/20</a:t>
             </a:fld>
             <a:endParaRPr lang="en-US"/>
           </a:p>
@@ -2162,7 +2162,7 @@
           <a:p>
             <a:fld id="{3BD378E5-F4D9-824D-8BC6-66DDB52D5CFC}" type="datetimeFigureOut">
               <a:rPr lang="en-US" smtClean="0"/>
-              <a:t>3/4/2020</a:t>
+              <a:t>3/4/20</a:t>
             </a:fld>
             <a:endParaRPr lang="en-US"/>
           </a:p>
@@ -2275,7 +2275,7 @@
           <a:p>
             <a:fld id="{3BD378E5-F4D9-824D-8BC6-66DDB52D5CFC}" type="datetimeFigureOut">
               <a:rPr lang="en-US" smtClean="0"/>
-              <a:t>3/4/2020</a:t>
+              <a:t>3/4/20</a:t>
             </a:fld>
             <a:endParaRPr lang="en-US"/>
           </a:p>
@@ -2586,7 +2586,7 @@
           <a:p>
             <a:fld id="{3BD378E5-F4D9-824D-8BC6-66DDB52D5CFC}" type="datetimeFigureOut">
               <a:rPr lang="en-US" smtClean="0"/>
-              <a:t>3/4/2020</a:t>
+              <a:t>3/4/20</a:t>
             </a:fld>
             <a:endParaRPr lang="en-US"/>
           </a:p>
@@ -2874,7 +2874,7 @@
           <a:p>
             <a:fld id="{3BD378E5-F4D9-824D-8BC6-66DDB52D5CFC}" type="datetimeFigureOut">
               <a:rPr lang="en-US" smtClean="0"/>
-              <a:t>3/4/2020</a:t>
+              <a:t>3/4/20</a:t>
             </a:fld>
             <a:endParaRPr lang="en-US"/>
           </a:p>
@@ -3115,7 +3115,7 @@
           <a:p>
             <a:fld id="{3BD378E5-F4D9-824D-8BC6-66DDB52D5CFC}" type="datetimeFigureOut">
               <a:rPr lang="en-US" smtClean="0"/>
-              <a:t>3/4/2020</a:t>
+              <a:t>3/4/20</a:t>
             </a:fld>
             <a:endParaRPr lang="en-US"/>
           </a:p>

--- a/ER Diagram - Project - COMP3005.pptx
+++ b/ER Diagram - Project - COMP3005.pptx
@@ -223,7 +223,7 @@
           <a:p>
             <a:fld id="{4EEA96E3-5376-2D42-97CA-66A886050071}" type="datetimeFigureOut">
               <a:rPr lang="en-US" smtClean="0"/>
-              <a:t>3/4/20</a:t>
+              <a:t>3/14/20</a:t>
             </a:fld>
             <a:endParaRPr lang="en-US"/>
           </a:p>
@@ -465,7 +465,7 @@
           <a:p>
             <a:fld id="{3BD378E5-F4D9-824D-8BC6-66DDB52D5CFC}" type="datetimeFigureOut">
               <a:rPr lang="en-US" smtClean="0"/>
-              <a:t>3/4/20</a:t>
+              <a:t>3/14/20</a:t>
             </a:fld>
             <a:endParaRPr lang="en-US"/>
           </a:p>
@@ -663,7 +663,7 @@
           <a:p>
             <a:fld id="{3BD378E5-F4D9-824D-8BC6-66DDB52D5CFC}" type="datetimeFigureOut">
               <a:rPr lang="en-US" smtClean="0"/>
-              <a:t>3/4/20</a:t>
+              <a:t>3/14/20</a:t>
             </a:fld>
             <a:endParaRPr lang="en-US"/>
           </a:p>
@@ -871,7 +871,7 @@
           <a:p>
             <a:fld id="{3BD378E5-F4D9-824D-8BC6-66DDB52D5CFC}" type="datetimeFigureOut">
               <a:rPr lang="en-US" smtClean="0"/>
-              <a:t>3/4/20</a:t>
+              <a:t>3/14/20</a:t>
             </a:fld>
             <a:endParaRPr lang="en-US"/>
           </a:p>
@@ -1069,7 +1069,7 @@
           <a:p>
             <a:fld id="{3BD378E5-F4D9-824D-8BC6-66DDB52D5CFC}" type="datetimeFigureOut">
               <a:rPr lang="en-US" smtClean="0"/>
-              <a:t>3/4/20</a:t>
+              <a:t>3/14/20</a:t>
             </a:fld>
             <a:endParaRPr lang="en-US"/>
           </a:p>
@@ -1344,7 +1344,7 @@
           <a:p>
             <a:fld id="{3BD378E5-F4D9-824D-8BC6-66DDB52D5CFC}" type="datetimeFigureOut">
               <a:rPr lang="en-US" smtClean="0"/>
-              <a:t>3/4/20</a:t>
+              <a:t>3/14/20</a:t>
             </a:fld>
             <a:endParaRPr lang="en-US"/>
           </a:p>
@@ -1609,7 +1609,7 @@
           <a:p>
             <a:fld id="{3BD378E5-F4D9-824D-8BC6-66DDB52D5CFC}" type="datetimeFigureOut">
               <a:rPr lang="en-US" smtClean="0"/>
-              <a:t>3/4/20</a:t>
+              <a:t>3/14/20</a:t>
             </a:fld>
             <a:endParaRPr lang="en-US"/>
           </a:p>
@@ -2021,7 +2021,7 @@
           <a:p>
             <a:fld id="{3BD378E5-F4D9-824D-8BC6-66DDB52D5CFC}" type="datetimeFigureOut">
               <a:rPr lang="en-US" smtClean="0"/>
-              <a:t>3/4/20</a:t>
+              <a:t>3/14/20</a:t>
             </a:fld>
             <a:endParaRPr lang="en-US"/>
           </a:p>
@@ -2162,7 +2162,7 @@
           <a:p>
             <a:fld id="{3BD378E5-F4D9-824D-8BC6-66DDB52D5CFC}" type="datetimeFigureOut">
               <a:rPr lang="en-US" smtClean="0"/>
-              <a:t>3/4/20</a:t>
+              <a:t>3/14/20</a:t>
             </a:fld>
             <a:endParaRPr lang="en-US"/>
           </a:p>
@@ -2275,7 +2275,7 @@
           <a:p>
             <a:fld id="{3BD378E5-F4D9-824D-8BC6-66DDB52D5CFC}" type="datetimeFigureOut">
               <a:rPr lang="en-US" smtClean="0"/>
-              <a:t>3/4/20</a:t>
+              <a:t>3/14/20</a:t>
             </a:fld>
             <a:endParaRPr lang="en-US"/>
           </a:p>
@@ -2586,7 +2586,7 @@
           <a:p>
             <a:fld id="{3BD378E5-F4D9-824D-8BC6-66DDB52D5CFC}" type="datetimeFigureOut">
               <a:rPr lang="en-US" smtClean="0"/>
-              <a:t>3/4/20</a:t>
+              <a:t>3/14/20</a:t>
             </a:fld>
             <a:endParaRPr lang="en-US"/>
           </a:p>
@@ -2874,7 +2874,7 @@
           <a:p>
             <a:fld id="{3BD378E5-F4D9-824D-8BC6-66DDB52D5CFC}" type="datetimeFigureOut">
               <a:rPr lang="en-US" smtClean="0"/>
-              <a:t>3/4/20</a:t>
+              <a:t>3/14/20</a:t>
             </a:fld>
             <a:endParaRPr lang="en-US"/>
           </a:p>
@@ -3115,7 +3115,7 @@
           <a:p>
             <a:fld id="{3BD378E5-F4D9-824D-8BC6-66DDB52D5CFC}" type="datetimeFigureOut">
               <a:rPr lang="en-US" smtClean="0"/>
-              <a:t>3/4/20</a:t>
+              <a:t>3/14/20</a:t>
             </a:fld>
             <a:endParaRPr lang="en-US"/>
           </a:p>
@@ -3547,14 +3547,14 @@
           <p:nvPr>
             <p:extLst>
               <p:ext uri="{D42A27DB-BD31-4B8C-83A1-F6EECF244321}">
-                <p14:modId xmlns:p14="http://schemas.microsoft.com/office/powerpoint/2010/main" val="4241277540"/>
+                <p14:modId xmlns:p14="http://schemas.microsoft.com/office/powerpoint/2010/main" val="2101602731"/>
               </p:ext>
             </p:extLst>
           </p:nvPr>
         </p:nvGraphicFramePr>
         <p:xfrm>
           <a:off x="4408787" y="36146"/>
-          <a:ext cx="1210788" cy="1163257"/>
+          <a:ext cx="1210788" cy="1463040"/>
         </p:xfrm>
         <a:graphic>
           <a:graphicData uri="http://schemas.openxmlformats.org/drawingml/2006/table">
@@ -3678,6 +3678,42 @@
                         <a:rPr lang="en-US" sz="1200" dirty="0">
                           <a:latin typeface="Times" pitchFamily="2" charset="0"/>
                         </a:rPr>
+                        <a:t>    </a:t>
+                      </a:r>
+                      <a:r>
+                        <a:rPr lang="en-US" sz="1200" dirty="0" err="1">
+                          <a:latin typeface="Times" pitchFamily="2" charset="0"/>
+                        </a:rPr>
+                        <a:t>first_name</a:t>
+                      </a:r>
+                      <a:endParaRPr lang="en-US" sz="1200" dirty="0">
+                        <a:latin typeface="Times" pitchFamily="2" charset="0"/>
+                      </a:endParaRPr>
+                    </a:p>
+                    <a:p>
+                      <a:pPr algn="l"/>
+                      <a:r>
+                        <a:rPr lang="en-US" sz="1200" dirty="0">
+                          <a:latin typeface="Times" pitchFamily="2" charset="0"/>
+                        </a:rPr>
+                        <a:t>    </a:t>
+                      </a:r>
+                      <a:r>
+                        <a:rPr lang="en-US" sz="1200" dirty="0" err="1">
+                          <a:latin typeface="Times" pitchFamily="2" charset="0"/>
+                        </a:rPr>
+                        <a:t>last_name</a:t>
+                      </a:r>
+                      <a:endParaRPr lang="en-US" sz="1200" dirty="0">
+                        <a:latin typeface="Times" pitchFamily="2" charset="0"/>
+                      </a:endParaRPr>
+                    </a:p>
+                    <a:p>
+                      <a:pPr algn="l"/>
+                      <a:r>
+                        <a:rPr lang="en-US" sz="1200" dirty="0">
+                          <a:latin typeface="Times" pitchFamily="2" charset="0"/>
+                        </a:rPr>
                         <a:t>email</a:t>
                       </a:r>
                     </a:p>
@@ -3751,13 +3787,13 @@
           <p:nvPr>
             <p:extLst>
               <p:ext uri="{D42A27DB-BD31-4B8C-83A1-F6EECF244321}">
-                <p14:modId xmlns:p14="http://schemas.microsoft.com/office/powerpoint/2010/main" val="2061051271"/>
+                <p14:modId xmlns:p14="http://schemas.microsoft.com/office/powerpoint/2010/main" val="1088775453"/>
               </p:ext>
             </p:extLst>
           </p:nvPr>
         </p:nvGraphicFramePr>
         <p:xfrm>
-          <a:off x="7314779" y="2664668"/>
+          <a:off x="7314779" y="2811808"/>
           <a:ext cx="1078230" cy="1828800"/>
         </p:xfrm>
         <a:graphic>
@@ -3994,13 +4030,13 @@
           <p:nvPr>
             <p:extLst>
               <p:ext uri="{D42A27DB-BD31-4B8C-83A1-F6EECF244321}">
-                <p14:modId xmlns:p14="http://schemas.microsoft.com/office/powerpoint/2010/main" val="1262843760"/>
+                <p14:modId xmlns:p14="http://schemas.microsoft.com/office/powerpoint/2010/main" val="1228274683"/>
               </p:ext>
             </p:extLst>
           </p:nvPr>
         </p:nvGraphicFramePr>
         <p:xfrm>
-          <a:off x="10867260" y="4415404"/>
+          <a:off x="10867260" y="4467954"/>
           <a:ext cx="1078230" cy="1645920"/>
         </p:xfrm>
         <a:graphic>
@@ -4231,13 +4267,13 @@
           <p:nvPr>
             <p:extLst>
               <p:ext uri="{D42A27DB-BD31-4B8C-83A1-F6EECF244321}">
-                <p14:modId xmlns:p14="http://schemas.microsoft.com/office/powerpoint/2010/main" val="365045607"/>
+                <p14:modId xmlns:p14="http://schemas.microsoft.com/office/powerpoint/2010/main" val="485319225"/>
               </p:ext>
             </p:extLst>
           </p:nvPr>
         </p:nvGraphicFramePr>
         <p:xfrm>
-          <a:off x="1516088" y="5316063"/>
+          <a:off x="601693" y="5368613"/>
           <a:ext cx="1078230" cy="1463040"/>
         </p:xfrm>
         <a:graphic>
@@ -4471,13 +4507,13 @@
           <p:nvPr>
             <p:extLst>
               <p:ext uri="{D42A27DB-BD31-4B8C-83A1-F6EECF244321}">
-                <p14:modId xmlns:p14="http://schemas.microsoft.com/office/powerpoint/2010/main" val="1577371271"/>
+                <p14:modId xmlns:p14="http://schemas.microsoft.com/office/powerpoint/2010/main" val="3705259927"/>
               </p:ext>
             </p:extLst>
           </p:nvPr>
         </p:nvGraphicFramePr>
         <p:xfrm>
-          <a:off x="10867260" y="2997440"/>
+          <a:off x="10867260" y="3144580"/>
           <a:ext cx="1078230" cy="1163257"/>
         </p:xfrm>
         <a:graphic>
@@ -4663,13 +4699,13 @@
           <p:nvPr>
             <p:extLst>
               <p:ext uri="{D42A27DB-BD31-4B8C-83A1-F6EECF244321}">
-                <p14:modId xmlns:p14="http://schemas.microsoft.com/office/powerpoint/2010/main" val="3738623263"/>
+                <p14:modId xmlns:p14="http://schemas.microsoft.com/office/powerpoint/2010/main" val="2593186000"/>
               </p:ext>
             </p:extLst>
           </p:nvPr>
         </p:nvGraphicFramePr>
         <p:xfrm>
-          <a:off x="1516089" y="2997440"/>
+          <a:off x="601694" y="3144580"/>
           <a:ext cx="1078230" cy="1163257"/>
         </p:xfrm>
         <a:graphic>
@@ -4843,8 +4879,8 @@
         </p:nvCxnSpPr>
         <p:spPr>
           <a:xfrm rot="16200000" flipH="1">
-            <a:off x="7865530" y="4481831"/>
-            <a:ext cx="744896" cy="768169"/>
+            <a:off x="7912825" y="4581676"/>
+            <a:ext cx="650306" cy="768169"/>
           </a:xfrm>
           <a:prstGeom prst="bentConnector2">
             <a:avLst/>
@@ -4879,7 +4915,7 @@
         </p:nvSpPr>
         <p:spPr>
           <a:xfrm>
-            <a:off x="8892677" y="3186439"/>
+            <a:off x="8892677" y="3333579"/>
             <a:ext cx="1201783" cy="785258"/>
           </a:xfrm>
           <a:prstGeom prst="diamond">
@@ -4920,7 +4956,7 @@
                 </a:solidFill>
                 <a:latin typeface="Times" pitchFamily="2" charset="0"/>
               </a:rPr>
-              <a:t>Writes</a:t>
+              <a:t>writes</a:t>
             </a:r>
           </a:p>
         </p:txBody>
@@ -4942,7 +4978,7 @@
         </p:nvCxnSpPr>
         <p:spPr>
           <a:xfrm>
-            <a:off x="10094460" y="3579068"/>
+            <a:off x="10094460" y="3726208"/>
             <a:ext cx="772800" cy="0"/>
           </a:xfrm>
           <a:prstGeom prst="line">
@@ -4982,7 +5018,7 @@
         </p:nvCxnSpPr>
         <p:spPr>
           <a:xfrm flipH="1">
-            <a:off x="8393009" y="3579068"/>
+            <a:off x="8393009" y="3726208"/>
             <a:ext cx="499668" cy="0"/>
           </a:xfrm>
           <a:prstGeom prst="line">
@@ -5018,7 +5054,7 @@
         </p:nvSpPr>
         <p:spPr>
           <a:xfrm>
-            <a:off x="8622063" y="4731065"/>
+            <a:off x="8622063" y="4783615"/>
             <a:ext cx="1684698" cy="1014597"/>
           </a:xfrm>
           <a:prstGeom prst="diamond">
@@ -5059,7 +5095,7 @@
                 </a:solidFill>
                 <a:latin typeface="Times" pitchFamily="2" charset="0"/>
               </a:rPr>
-              <a:t>Publishes</a:t>
+              <a:t>publishes</a:t>
             </a:r>
           </a:p>
         </p:txBody>
@@ -5082,7 +5118,7 @@
         </p:nvCxnSpPr>
         <p:spPr>
           <a:xfrm>
-            <a:off x="10306761" y="5238364"/>
+            <a:off x="10306761" y="5290914"/>
             <a:ext cx="560499" cy="0"/>
           </a:xfrm>
           <a:prstGeom prst="line">
@@ -5122,7 +5158,7 @@
         </p:nvSpPr>
         <p:spPr>
           <a:xfrm>
-            <a:off x="1454312" y="4319741"/>
+            <a:off x="539917" y="4372291"/>
             <a:ext cx="1201783" cy="785258"/>
           </a:xfrm>
           <a:prstGeom prst="diamond">
@@ -5186,7 +5222,7 @@
         </p:nvCxnSpPr>
         <p:spPr>
           <a:xfrm>
-            <a:off x="5839865" y="3579068"/>
+            <a:off x="5839865" y="3726208"/>
             <a:ext cx="1474914" cy="0"/>
           </a:xfrm>
           <a:prstGeom prst="line">
@@ -5222,7 +5258,7 @@
         </p:nvSpPr>
         <p:spPr>
           <a:xfrm>
-            <a:off x="4188498" y="3186439"/>
+            <a:off x="4188498" y="3333579"/>
             <a:ext cx="1651367" cy="785258"/>
           </a:xfrm>
           <a:prstGeom prst="diamond">
@@ -5292,8 +5328,8 @@
         </p:nvCxnSpPr>
         <p:spPr>
           <a:xfrm flipH="1">
-            <a:off x="2594319" y="3579068"/>
-            <a:ext cx="1594179" cy="0"/>
+            <a:off x="1679924" y="3726208"/>
+            <a:ext cx="2508574" cy="0"/>
           </a:xfrm>
           <a:prstGeom prst="line">
             <a:avLst/>
@@ -5328,7 +5364,7 @@
         </p:nvSpPr>
         <p:spPr>
           <a:xfrm>
-            <a:off x="1033153" y="1684438"/>
+            <a:off x="118758" y="1474227"/>
             <a:ext cx="2056434" cy="785258"/>
           </a:xfrm>
           <a:prstGeom prst="diamond">
@@ -5397,9 +5433,9 @@
           <p:nvPr/>
         </p:nvCxnSpPr>
         <p:spPr>
-          <a:xfrm>
-            <a:off x="3089587" y="2077067"/>
-            <a:ext cx="247021" cy="2092"/>
+          <a:xfrm flipV="1">
+            <a:off x="2175192" y="1864946"/>
+            <a:ext cx="664414" cy="1910"/>
           </a:xfrm>
           <a:prstGeom prst="line">
             <a:avLst/>
@@ -5442,8 +5478,8 @@
         </p:nvCxnSpPr>
         <p:spPr>
           <a:xfrm flipH="1">
-            <a:off x="2055204" y="2469696"/>
-            <a:ext cx="6166" cy="527744"/>
+            <a:off x="1140809" y="2259485"/>
+            <a:ext cx="6166" cy="885095"/>
           </a:xfrm>
           <a:prstGeom prst="line">
             <a:avLst/>
@@ -5486,8 +5522,8 @@
         </p:nvCxnSpPr>
         <p:spPr>
           <a:xfrm flipV="1">
-            <a:off x="2055204" y="4160697"/>
-            <a:ext cx="0" cy="159044"/>
+            <a:off x="1140809" y="4307837"/>
+            <a:ext cx="0" cy="64454"/>
           </a:xfrm>
           <a:prstGeom prst="line">
             <a:avLst/>
@@ -5525,7 +5561,7 @@
         </p:nvCxnSpPr>
         <p:spPr>
           <a:xfrm flipH="1">
-            <a:off x="2055203" y="5104999"/>
+            <a:off x="1140808" y="5157549"/>
             <a:ext cx="1" cy="211064"/>
           </a:xfrm>
           <a:prstGeom prst="line">
@@ -5566,13 +5602,13 @@
           <p:nvPr>
             <p:extLst>
               <p:ext uri="{D42A27DB-BD31-4B8C-83A1-F6EECF244321}">
-                <p14:modId xmlns:p14="http://schemas.microsoft.com/office/powerpoint/2010/main" val="2546891773"/>
+                <p14:modId xmlns:p14="http://schemas.microsoft.com/office/powerpoint/2010/main" val="945870616"/>
               </p:ext>
             </p:extLst>
           </p:nvPr>
         </p:nvGraphicFramePr>
         <p:xfrm>
-          <a:off x="4672280" y="4403221"/>
+          <a:off x="4672280" y="4455771"/>
           <a:ext cx="684670" cy="315661"/>
         </p:xfrm>
         <a:graphic>
@@ -5676,8 +5712,8 @@
         </p:nvCxnSpPr>
         <p:spPr>
           <a:xfrm>
-            <a:off x="5014182" y="3971697"/>
-            <a:ext cx="433" cy="431524"/>
+            <a:off x="5014182" y="4118837"/>
+            <a:ext cx="433" cy="336934"/>
           </a:xfrm>
           <a:prstGeom prst="line">
             <a:avLst/>
@@ -5716,13 +5752,13 @@
           <p:nvPr>
             <p:extLst>
               <p:ext uri="{D42A27DB-BD31-4B8C-83A1-F6EECF244321}">
-                <p14:modId xmlns:p14="http://schemas.microsoft.com/office/powerpoint/2010/main" val="1666002565"/>
+                <p14:modId xmlns:p14="http://schemas.microsoft.com/office/powerpoint/2010/main" val="3675305116"/>
               </p:ext>
             </p:extLst>
           </p:nvPr>
         </p:nvGraphicFramePr>
         <p:xfrm>
-          <a:off x="9122077" y="6124815"/>
+          <a:off x="9122077" y="6177365"/>
           <a:ext cx="684670" cy="315661"/>
         </p:xfrm>
         <a:graphic>
@@ -5827,7 +5863,7 @@
         </p:nvCxnSpPr>
         <p:spPr>
           <a:xfrm>
-            <a:off x="9464412" y="5745662"/>
+            <a:off x="9464412" y="5798212"/>
             <a:ext cx="0" cy="379153"/>
           </a:xfrm>
           <a:prstGeom prst="line">
@@ -5867,13 +5903,13 @@
           <p:nvPr>
             <p:extLst>
               <p:ext uri="{D42A27DB-BD31-4B8C-83A1-F6EECF244321}">
-                <p14:modId xmlns:p14="http://schemas.microsoft.com/office/powerpoint/2010/main" val="986978326"/>
+                <p14:modId xmlns:p14="http://schemas.microsoft.com/office/powerpoint/2010/main" val="1465299841"/>
               </p:ext>
             </p:extLst>
           </p:nvPr>
         </p:nvGraphicFramePr>
         <p:xfrm>
-          <a:off x="5376287" y="1495438"/>
+          <a:off x="5376287" y="1632068"/>
           <a:ext cx="1210788" cy="1163257"/>
         </p:xfrm>
         <a:graphic>
@@ -6041,14 +6077,14 @@
           <p:nvPr>
             <p:extLst>
               <p:ext uri="{D42A27DB-BD31-4B8C-83A1-F6EECF244321}">
-                <p14:modId xmlns:p14="http://schemas.microsoft.com/office/powerpoint/2010/main" val="899582402"/>
+                <p14:modId xmlns:p14="http://schemas.microsoft.com/office/powerpoint/2010/main" val="880583413"/>
               </p:ext>
             </p:extLst>
           </p:nvPr>
         </p:nvGraphicFramePr>
         <p:xfrm>
-          <a:off x="3336608" y="1497531"/>
-          <a:ext cx="1210788" cy="1163257"/>
+          <a:off x="2839606" y="36146"/>
+          <a:ext cx="1265555" cy="3657600"/>
         </p:xfrm>
         <a:graphic>
           <a:graphicData uri="http://schemas.openxmlformats.org/drawingml/2006/table">
@@ -6057,7 +6093,7 @@
                 <a:tableStyleId>{5FD0F851-EC5A-4D38-B0AD-8093EC10F338}</a:tableStyleId>
               </a:tblPr>
               <a:tblGrid>
-                <a:gridCol w="1210788">
+                <a:gridCol w="1265555">
                   <a:extLst>
                     <a:ext uri="{9D8B030D-6E8A-4147-A177-3AD203B41FA5}">
                       <a16:colId xmlns:a16="http://schemas.microsoft.com/office/drawing/2014/main" val="1069656790"/>
@@ -6151,6 +6187,105 @@
                     <a:p>
                       <a:pPr algn="l"/>
                       <a:r>
+                        <a:rPr lang="en-US" sz="1200" dirty="0">
+                          <a:latin typeface="Times" pitchFamily="2" charset="0"/>
+                        </a:rPr>
+                        <a:t>    street </a:t>
+                      </a:r>
+                    </a:p>
+                    <a:p>
+                      <a:pPr algn="l"/>
+                      <a:r>
+                        <a:rPr lang="en-US" sz="1200" dirty="0">
+                          <a:latin typeface="Times" pitchFamily="2" charset="0"/>
+                        </a:rPr>
+                        <a:t>        </a:t>
+                      </a:r>
+                      <a:r>
+                        <a:rPr lang="en-US" sz="1200" dirty="0" err="1">
+                          <a:latin typeface="Times" pitchFamily="2" charset="0"/>
+                        </a:rPr>
+                        <a:t>street_num</a:t>
+                      </a:r>
+                      <a:endParaRPr lang="en-US" sz="1200" dirty="0">
+                        <a:latin typeface="Times" pitchFamily="2" charset="0"/>
+                      </a:endParaRPr>
+                    </a:p>
+                    <a:p>
+                      <a:pPr algn="l"/>
+                      <a:r>
+                        <a:rPr lang="en-US" sz="1200" dirty="0">
+                          <a:latin typeface="Times" pitchFamily="2" charset="0"/>
+                        </a:rPr>
+                        <a:t>        </a:t>
+                      </a:r>
+                      <a:r>
+                        <a:rPr lang="en-US" sz="1200" dirty="0" err="1">
+                          <a:latin typeface="Times" pitchFamily="2" charset="0"/>
+                        </a:rPr>
+                        <a:t>street_name</a:t>
+                      </a:r>
+                      <a:endParaRPr lang="en-US" sz="1200" dirty="0">
+                        <a:latin typeface="Times" pitchFamily="2" charset="0"/>
+                      </a:endParaRPr>
+                    </a:p>
+                    <a:p>
+                      <a:pPr algn="l"/>
+                      <a:r>
+                        <a:rPr lang="en-US" sz="1200" dirty="0">
+                          <a:latin typeface="Times" pitchFamily="2" charset="0"/>
+                        </a:rPr>
+                        <a:t>        </a:t>
+                      </a:r>
+                      <a:r>
+                        <a:rPr lang="en-US" sz="1200" dirty="0" err="1">
+                          <a:latin typeface="Times" pitchFamily="2" charset="0"/>
+                        </a:rPr>
+                        <a:t>apt_num</a:t>
+                      </a:r>
+                      <a:endParaRPr lang="en-US" sz="1200" dirty="0">
+                        <a:latin typeface="Times" pitchFamily="2" charset="0"/>
+                      </a:endParaRPr>
+                    </a:p>
+                    <a:p>
+                      <a:pPr algn="l"/>
+                      <a:r>
+                        <a:rPr lang="en-US" sz="1200" dirty="0">
+                          <a:latin typeface="Times" pitchFamily="2" charset="0"/>
+                        </a:rPr>
+                        <a:t>    city</a:t>
+                      </a:r>
+                    </a:p>
+                    <a:p>
+                      <a:pPr algn="l"/>
+                      <a:r>
+                        <a:rPr lang="en-US" sz="1200" dirty="0">
+                          <a:latin typeface="Times" pitchFamily="2" charset="0"/>
+                        </a:rPr>
+                        <a:t>    province</a:t>
+                      </a:r>
+                    </a:p>
+                    <a:p>
+                      <a:pPr algn="l"/>
+                      <a:r>
+                        <a:rPr lang="en-US" sz="1200" dirty="0">
+                          <a:latin typeface="Times" pitchFamily="2" charset="0"/>
+                        </a:rPr>
+                        <a:t>    country</a:t>
+                      </a:r>
+                    </a:p>
+                    <a:p>
+                      <a:pPr algn="l"/>
+                      <a:r>
+                        <a:rPr lang="en-US" sz="1200" dirty="0">
+                          <a:latin typeface="Times" pitchFamily="2" charset="0"/>
+                        </a:rPr>
+                        <a:t>    postal code</a:t>
+                      </a:r>
+                    </a:p>
+                    <a:p>
+                      <a:pPr algn="l"/>
+                      <a:r>
                         <a:rPr lang="en-US" sz="1200" dirty="0" err="1">
                           <a:latin typeface="Times" pitchFamily="2" charset="0"/>
                         </a:rPr>
@@ -6159,6 +6294,105 @@
                       <a:endParaRPr lang="en-US" sz="1200" dirty="0">
                         <a:latin typeface="Times" pitchFamily="2" charset="0"/>
                       </a:endParaRPr>
+                    </a:p>
+                    <a:p>
+                      <a:pPr algn="l"/>
+                      <a:r>
+                        <a:rPr lang="en-US" sz="1200" dirty="0">
+                          <a:latin typeface="Times" pitchFamily="2" charset="0"/>
+                        </a:rPr>
+                        <a:t>    street </a:t>
+                      </a:r>
+                    </a:p>
+                    <a:p>
+                      <a:pPr algn="l"/>
+                      <a:r>
+                        <a:rPr lang="en-US" sz="1200" dirty="0">
+                          <a:latin typeface="Times" pitchFamily="2" charset="0"/>
+                        </a:rPr>
+                        <a:t>        </a:t>
+                      </a:r>
+                      <a:r>
+                        <a:rPr lang="en-US" sz="1200" dirty="0" err="1">
+                          <a:latin typeface="Times" pitchFamily="2" charset="0"/>
+                        </a:rPr>
+                        <a:t>street_num</a:t>
+                      </a:r>
+                      <a:endParaRPr lang="en-US" sz="1200" dirty="0">
+                        <a:latin typeface="Times" pitchFamily="2" charset="0"/>
+                      </a:endParaRPr>
+                    </a:p>
+                    <a:p>
+                      <a:pPr algn="l"/>
+                      <a:r>
+                        <a:rPr lang="en-US" sz="1200" dirty="0">
+                          <a:latin typeface="Times" pitchFamily="2" charset="0"/>
+                        </a:rPr>
+                        <a:t>        </a:t>
+                      </a:r>
+                      <a:r>
+                        <a:rPr lang="en-US" sz="1200" dirty="0" err="1">
+                          <a:latin typeface="Times" pitchFamily="2" charset="0"/>
+                        </a:rPr>
+                        <a:t>street_name</a:t>
+                      </a:r>
+                      <a:endParaRPr lang="en-US" sz="1200" dirty="0">
+                        <a:latin typeface="Times" pitchFamily="2" charset="0"/>
+                      </a:endParaRPr>
+                    </a:p>
+                    <a:p>
+                      <a:pPr algn="l"/>
+                      <a:r>
+                        <a:rPr lang="en-US" sz="1200" dirty="0">
+                          <a:latin typeface="Times" pitchFamily="2" charset="0"/>
+                        </a:rPr>
+                        <a:t>        </a:t>
+                      </a:r>
+                      <a:r>
+                        <a:rPr lang="en-US" sz="1200" dirty="0" err="1">
+                          <a:latin typeface="Times" pitchFamily="2" charset="0"/>
+                        </a:rPr>
+                        <a:t>apt_num</a:t>
+                      </a:r>
+                      <a:endParaRPr lang="en-US" sz="1200" dirty="0">
+                        <a:latin typeface="Times" pitchFamily="2" charset="0"/>
+                      </a:endParaRPr>
+                    </a:p>
+                    <a:p>
+                      <a:pPr algn="l"/>
+                      <a:r>
+                        <a:rPr lang="en-US" sz="1200" dirty="0">
+                          <a:latin typeface="Times" pitchFamily="2" charset="0"/>
+                        </a:rPr>
+                        <a:t>    city</a:t>
+                      </a:r>
+                    </a:p>
+                    <a:p>
+                      <a:pPr algn="l"/>
+                      <a:r>
+                        <a:rPr lang="en-US" sz="1200" dirty="0">
+                          <a:latin typeface="Times" pitchFamily="2" charset="0"/>
+                        </a:rPr>
+                        <a:t>    province</a:t>
+                      </a:r>
+                    </a:p>
+                    <a:p>
+                      <a:pPr algn="l"/>
+                      <a:r>
+                        <a:rPr lang="en-US" sz="1200" dirty="0">
+                          <a:latin typeface="Times" pitchFamily="2" charset="0"/>
+                        </a:rPr>
+                        <a:t>    country</a:t>
+                      </a:r>
+                    </a:p>
+                    <a:p>
+                      <a:pPr algn="l"/>
+                      <a:r>
+                        <a:rPr lang="en-US" sz="1200" dirty="0">
+                          <a:latin typeface="Times" pitchFamily="2" charset="0"/>
+                        </a:rPr>
+                        <a:t>    postal code</a:t>
+                      </a:r>
                     </a:p>
                   </a:txBody>
                   <a:tcPr>
@@ -6229,7 +6463,7 @@
         </p:nvSpPr>
         <p:spPr>
           <a:xfrm>
-            <a:off x="6911344" y="1684438"/>
+            <a:off x="6911344" y="1821068"/>
             <a:ext cx="1885100" cy="785258"/>
           </a:xfrm>
           <a:prstGeom prst="diamond">
@@ -6299,7 +6533,7 @@
         </p:nvCxnSpPr>
         <p:spPr>
           <a:xfrm flipH="1" flipV="1">
-            <a:off x="6587075" y="2077066"/>
+            <a:off x="6587075" y="2213696"/>
             <a:ext cx="324269" cy="1"/>
           </a:xfrm>
           <a:prstGeom prst="line">
@@ -6344,8 +6578,8 @@
         </p:nvCxnSpPr>
         <p:spPr>
           <a:xfrm>
-            <a:off x="7853894" y="2469696"/>
-            <a:ext cx="0" cy="194972"/>
+            <a:off x="7853894" y="2606326"/>
+            <a:ext cx="0" cy="205482"/>
           </a:xfrm>
           <a:prstGeom prst="line">
             <a:avLst/>
@@ -6380,8 +6614,8 @@
         </p:nvGrpSpPr>
         <p:grpSpPr>
           <a:xfrm rot="20530362">
-            <a:off x="5187293" y="1193179"/>
-            <a:ext cx="71795" cy="979696"/>
+            <a:off x="5202762" y="1489830"/>
+            <a:ext cx="78253" cy="888611"/>
             <a:chOff x="4991321" y="1224855"/>
             <a:chExt cx="45719" cy="852211"/>
           </a:xfrm>
@@ -6485,10 +6719,10 @@
       </p:grpSp>
       <p:grpSp>
         <p:nvGrpSpPr>
-          <p:cNvPr id="51" name="Group 50">
-            <a:extLst>
-              <a:ext uri="{FF2B5EF4-FFF2-40B4-BE49-F238E27FC236}">
-                <a16:creationId xmlns:a16="http://schemas.microsoft.com/office/drawing/2014/main" id="{D3FD0635-307B-4743-A417-960FD15E0507}"/>
+          <p:cNvPr id="39" name="Group 38">
+            <a:extLst>
+              <a:ext uri="{FF2B5EF4-FFF2-40B4-BE49-F238E27FC236}">
+                <a16:creationId xmlns:a16="http://schemas.microsoft.com/office/drawing/2014/main" id="{6EDCC391-2135-A54A-9FED-25248CC7B035}"/>
               </a:ext>
             </a:extLst>
           </p:cNvPr>
@@ -6496,19 +6730,19 @@
           <p:nvPr/>
         </p:nvGrpSpPr>
         <p:grpSpPr>
-          <a:xfrm rot="1230283">
-            <a:off x="4686439" y="1188119"/>
-            <a:ext cx="71795" cy="979696"/>
+          <a:xfrm rot="1828825">
+            <a:off x="4288579" y="1447509"/>
+            <a:ext cx="78253" cy="888611"/>
             <a:chOff x="4991321" y="1224855"/>
             <a:chExt cx="45719" cy="852211"/>
           </a:xfrm>
         </p:grpSpPr>
         <p:sp>
           <p:nvSpPr>
-            <p:cNvPr id="52" name="Isosceles Triangle 51">
+            <p:cNvPr id="40" name="Isosceles Triangle 13">
               <a:extLst>
                 <a:ext uri="{FF2B5EF4-FFF2-40B4-BE49-F238E27FC236}">
-                  <a16:creationId xmlns:a16="http://schemas.microsoft.com/office/drawing/2014/main" id="{7098AA80-C5C6-4810-BD8F-D6E5147319C8}"/>
+                  <a16:creationId xmlns:a16="http://schemas.microsoft.com/office/drawing/2014/main" id="{6A710441-0141-2146-9F45-32E0ADCBBBC9}"/>
                 </a:ext>
               </a:extLst>
             </p:cNvPr>
@@ -6557,16 +6791,16 @@
         </p:sp>
         <p:cxnSp>
           <p:nvCxnSpPr>
-            <p:cNvPr id="53" name="Straight Connector 52">
+            <p:cNvPr id="41" name="Straight Connector 40">
               <a:extLst>
                 <a:ext uri="{FF2B5EF4-FFF2-40B4-BE49-F238E27FC236}">
-                  <a16:creationId xmlns:a16="http://schemas.microsoft.com/office/drawing/2014/main" id="{63DB8FD1-E01B-4F13-AE2A-28C951B7CE39}"/>
+                  <a16:creationId xmlns:a16="http://schemas.microsoft.com/office/drawing/2014/main" id="{7C911A81-9097-294D-96F8-A0EC389DDF95}"/>
                 </a:ext>
               </a:extLst>
             </p:cNvPr>
             <p:cNvCxnSpPr>
               <a:cxnSpLocks/>
-              <a:stCxn id="52" idx="3"/>
+              <a:stCxn id="40" idx="3"/>
             </p:cNvCxnSpPr>
             <p:nvPr/>
           </p:nvCxnSpPr>
